--- a/ppt/IoT04-ArduinoCabling.pptx
+++ b/ppt/IoT04-ArduinoCabling.pptx
@@ -5,10 +5,10 @@
     <p:sldMasterId id="2147483653" r:id="rId1"/>
   </p:sldMasterIdLst>
   <p:notesMasterIdLst>
-    <p:notesMasterId r:id="rId20"/>
+    <p:notesMasterId r:id="rId19"/>
   </p:notesMasterIdLst>
   <p:handoutMasterIdLst>
-    <p:handoutMasterId r:id="rId21"/>
+    <p:handoutMasterId r:id="rId20"/>
   </p:handoutMasterIdLst>
   <p:sldIdLst>
     <p:sldId id="264" r:id="rId2"/>
@@ -21,14 +21,13 @@
     <p:sldId id="271" r:id="rId9"/>
     <p:sldId id="273" r:id="rId10"/>
     <p:sldId id="276" r:id="rId11"/>
-    <p:sldId id="275" r:id="rId12"/>
-    <p:sldId id="277" r:id="rId13"/>
-    <p:sldId id="278" r:id="rId14"/>
-    <p:sldId id="279" r:id="rId15"/>
-    <p:sldId id="280" r:id="rId16"/>
-    <p:sldId id="281" r:id="rId17"/>
-    <p:sldId id="282" r:id="rId18"/>
-    <p:sldId id="283" r:id="rId19"/>
+    <p:sldId id="277" r:id="rId12"/>
+    <p:sldId id="278" r:id="rId13"/>
+    <p:sldId id="279" r:id="rId14"/>
+    <p:sldId id="280" r:id="rId15"/>
+    <p:sldId id="281" r:id="rId16"/>
+    <p:sldId id="282" r:id="rId17"/>
+    <p:sldId id="283" r:id="rId18"/>
   </p:sldIdLst>
   <p:sldSz cx="9144000" cy="6858000" type="screen4x3"/>
   <p:notesSz cx="6648450" cy="9782175"/>
@@ -3888,111 +3887,6 @@
           <a:lstStyle/>
           <a:p>
             <a:r>
-              <a:rPr lang="fr-FR" dirty="0" err="1"/>
-              <a:t>Tinkercad</a:t>
-            </a:r>
-            <a:endParaRPr lang="fr-FR" dirty="0"/>
-          </a:p>
-        </p:txBody>
-      </p:sp>
-      <p:sp>
-        <p:nvSpPr>
-          <p:cNvPr id="3" name="Espace réservé du contenu 2"/>
-          <p:cNvSpPr>
-            <a:spLocks noGrp="1"/>
-          </p:cNvSpPr>
-          <p:nvPr>
-            <p:ph idx="1"/>
-          </p:nvPr>
-        </p:nvSpPr>
-        <p:spPr/>
-        <p:txBody>
-          <a:bodyPr/>
-          <a:lstStyle/>
-          <a:p>
-            <a:r>
-              <a:rPr lang="fr-FR" dirty="0"/>
-              <a:t>Permet de simuler un circuit électronique en ligne</a:t>
-            </a:r>
-          </a:p>
-          <a:p>
-            <a:r>
-              <a:rPr lang="fr-FR" dirty="0"/>
-              <a:t>Tinkercad.com</a:t>
-            </a:r>
-          </a:p>
-        </p:txBody>
-      </p:sp>
-      <p:pic>
-        <p:nvPicPr>
-          <p:cNvPr id="4" name="Image 3"/>
-          <p:cNvPicPr>
-            <a:picLocks noChangeAspect="1"/>
-          </p:cNvPicPr>
-          <p:nvPr/>
-        </p:nvPicPr>
-        <p:blipFill>
-          <a:blip r:embed="rId2"/>
-          <a:stretch>
-            <a:fillRect/>
-          </a:stretch>
-        </p:blipFill>
-        <p:spPr>
-          <a:xfrm>
-            <a:off x="3025841" y="2232943"/>
-            <a:ext cx="3073391" cy="3400226"/>
-          </a:xfrm>
-          <a:prstGeom prst="rect">
-            <a:avLst/>
-          </a:prstGeom>
-        </p:spPr>
-      </p:pic>
-    </p:spTree>
-    <p:extLst>
-      <p:ext uri="{BB962C8B-B14F-4D97-AF65-F5344CB8AC3E}">
-        <p14:creationId xmlns:p14="http://schemas.microsoft.com/office/powerpoint/2010/main" val="856915298"/>
-      </p:ext>
-    </p:extLst>
-  </p:cSld>
-  <p:clrMapOvr>
-    <a:masterClrMapping/>
-  </p:clrMapOvr>
-</p:sld>
-</file>
-
-<file path=ppt/slides/slide12.xml><?xml version="1.0" encoding="utf-8"?>
-<p:sld xmlns:a="http://schemas.openxmlformats.org/drawingml/2006/main" xmlns:r="http://schemas.openxmlformats.org/officeDocument/2006/relationships" xmlns:p="http://schemas.openxmlformats.org/presentationml/2006/main">
-  <p:cSld>
-    <p:spTree>
-      <p:nvGrpSpPr>
-        <p:cNvPr id="1" name=""/>
-        <p:cNvGrpSpPr/>
-        <p:nvPr/>
-      </p:nvGrpSpPr>
-      <p:grpSpPr>
-        <a:xfrm>
-          <a:off x="0" y="0"/>
-          <a:ext cx="0" cy="0"/>
-          <a:chOff x="0" y="0"/>
-          <a:chExt cx="0" cy="0"/>
-        </a:xfrm>
-      </p:grpSpPr>
-      <p:sp>
-        <p:nvSpPr>
-          <p:cNvPr id="2" name="Titre 1"/>
-          <p:cNvSpPr>
-            <a:spLocks noGrp="1"/>
-          </p:cNvSpPr>
-          <p:nvPr>
-            <p:ph type="title"/>
-          </p:nvPr>
-        </p:nvSpPr>
-        <p:spPr/>
-        <p:txBody>
-          <a:bodyPr/>
-          <a:lstStyle/>
-          <a:p>
-            <a:r>
               <a:rPr lang="fr-FR" dirty="0"/>
               <a:t>UART</a:t>
             </a:r>
@@ -4136,7 +4030,7 @@
 </p:sld>
 </file>
 
-<file path=ppt/slides/slide13.xml><?xml version="1.0" encoding="utf-8"?>
+<file path=ppt/slides/slide12.xml><?xml version="1.0" encoding="utf-8"?>
 <p:sld xmlns:a="http://schemas.openxmlformats.org/drawingml/2006/main" xmlns:r="http://schemas.openxmlformats.org/officeDocument/2006/relationships" xmlns:p="http://schemas.openxmlformats.org/presentationml/2006/main">
   <p:cSld>
     <p:spTree>
@@ -4286,7 +4180,7 @@
 </p:sld>
 </file>
 
-<file path=ppt/slides/slide14.xml><?xml version="1.0" encoding="utf-8"?>
+<file path=ppt/slides/slide13.xml><?xml version="1.0" encoding="utf-8"?>
 <p:sld xmlns:a="http://schemas.openxmlformats.org/drawingml/2006/main" xmlns:r="http://schemas.openxmlformats.org/officeDocument/2006/relationships" xmlns:p="http://schemas.openxmlformats.org/presentationml/2006/main">
   <p:cSld>
     <p:spTree>
@@ -4661,7 +4555,7 @@
 </p:sld>
 </file>
 
-<file path=ppt/slides/slide15.xml><?xml version="1.0" encoding="utf-8"?>
+<file path=ppt/slides/slide14.xml><?xml version="1.0" encoding="utf-8"?>
 <p:sld xmlns:a="http://schemas.openxmlformats.org/drawingml/2006/main" xmlns:r="http://schemas.openxmlformats.org/officeDocument/2006/relationships" xmlns:p="http://schemas.openxmlformats.org/presentationml/2006/main">
   <p:cSld>
     <p:spTree>
@@ -4827,7 +4721,7 @@
 </p:sld>
 </file>
 
-<file path=ppt/slides/slide16.xml><?xml version="1.0" encoding="utf-8"?>
+<file path=ppt/slides/slide15.xml><?xml version="1.0" encoding="utf-8"?>
 <p:sld xmlns:a="http://schemas.openxmlformats.org/drawingml/2006/main" xmlns:r="http://schemas.openxmlformats.org/officeDocument/2006/relationships" xmlns:p="http://schemas.openxmlformats.org/presentationml/2006/main">
   <p:cSld>
     <p:spTree>
@@ -4968,7 +4862,7 @@
 </p:sld>
 </file>
 
-<file path=ppt/slides/slide17.xml><?xml version="1.0" encoding="utf-8"?>
+<file path=ppt/slides/slide16.xml><?xml version="1.0" encoding="utf-8"?>
 <p:sld xmlns:a="http://schemas.openxmlformats.org/drawingml/2006/main" xmlns:r="http://schemas.openxmlformats.org/officeDocument/2006/relationships" xmlns:p="http://schemas.openxmlformats.org/presentationml/2006/main">
   <p:cSld>
     <p:spTree>
@@ -5158,7 +5052,7 @@
 </p:sld>
 </file>
 
-<file path=ppt/slides/slide18.xml><?xml version="1.0" encoding="utf-8"?>
+<file path=ppt/slides/slide17.xml><?xml version="1.0" encoding="utf-8"?>
 <p:sld xmlns:a="http://schemas.openxmlformats.org/drawingml/2006/main" xmlns:r="http://schemas.openxmlformats.org/officeDocument/2006/relationships" xmlns:p="http://schemas.openxmlformats.org/presentationml/2006/main">
   <p:cSld>
     <p:spTree>

--- a/ppt/IoT04-ArduinoCabling.pptx
+++ b/ppt/IoT04-ArduinoCabling.pptx
@@ -5396,7 +5396,15 @@
             <a:pPr lvl="1"/>
             <a:r>
               <a:rPr lang="fr-FR" dirty="0"/>
-              <a:t>Si vous branchez une LED directement sur le 5V est brule </a:t>
+              <a:t>Si vous branchez une </a:t>
+            </a:r>
+            <a:r>
+              <a:rPr lang="fr-FR"/>
+              <a:t>LED sur </a:t>
+            </a:r>
+            <a:r>
+              <a:rPr lang="fr-FR" dirty="0"/>
+              <a:t>le 5V elle brule </a:t>
             </a:r>
           </a:p>
           <a:p>
@@ -5421,15 +5429,7 @@
             </a:r>
             <a:r>
               <a:rPr lang="fr-FR" dirty="0"/>
-              <a:t> </a:t>
-            </a:r>
-            <a:r>
-              <a:rPr lang="fr-FR"/>
-              <a:t>= 2.2v +/- 0.1v; </a:t>
-            </a:r>
-            <a:r>
-              <a:rPr lang="fr-FR" dirty="0"/>
-              <a:t>I = 20mA)</a:t>
+              <a:t> = 2.2v +/- 0.1v; I = 20mA)</a:t>
             </a:r>
           </a:p>
           <a:p>

--- a/ppt/IoT04-ArduinoCabling.pptx
+++ b/ppt/IoT04-ArduinoCabling.pptx
@@ -5,29 +5,32 @@
     <p:sldMasterId id="2147483653" r:id="rId1"/>
   </p:sldMasterIdLst>
   <p:notesMasterIdLst>
-    <p:notesMasterId r:id="rId19"/>
+    <p:notesMasterId r:id="rId22"/>
   </p:notesMasterIdLst>
   <p:handoutMasterIdLst>
-    <p:handoutMasterId r:id="rId20"/>
+    <p:handoutMasterId r:id="rId23"/>
   </p:handoutMasterIdLst>
   <p:sldIdLst>
     <p:sldId id="264" r:id="rId2"/>
-    <p:sldId id="266" r:id="rId3"/>
-    <p:sldId id="267" r:id="rId4"/>
-    <p:sldId id="268" r:id="rId5"/>
-    <p:sldId id="269" r:id="rId6"/>
-    <p:sldId id="270" r:id="rId7"/>
-    <p:sldId id="272" r:id="rId8"/>
-    <p:sldId id="271" r:id="rId9"/>
-    <p:sldId id="273" r:id="rId10"/>
-    <p:sldId id="276" r:id="rId11"/>
-    <p:sldId id="277" r:id="rId12"/>
-    <p:sldId id="278" r:id="rId13"/>
-    <p:sldId id="279" r:id="rId14"/>
-    <p:sldId id="280" r:id="rId15"/>
-    <p:sldId id="281" r:id="rId16"/>
-    <p:sldId id="282" r:id="rId17"/>
-    <p:sldId id="283" r:id="rId18"/>
+    <p:sldId id="284" r:id="rId3"/>
+    <p:sldId id="285" r:id="rId4"/>
+    <p:sldId id="266" r:id="rId5"/>
+    <p:sldId id="267" r:id="rId6"/>
+    <p:sldId id="268" r:id="rId7"/>
+    <p:sldId id="269" r:id="rId8"/>
+    <p:sldId id="286" r:id="rId9"/>
+    <p:sldId id="270" r:id="rId10"/>
+    <p:sldId id="272" r:id="rId11"/>
+    <p:sldId id="271" r:id="rId12"/>
+    <p:sldId id="273" r:id="rId13"/>
+    <p:sldId id="276" r:id="rId14"/>
+    <p:sldId id="277" r:id="rId15"/>
+    <p:sldId id="278" r:id="rId16"/>
+    <p:sldId id="279" r:id="rId17"/>
+    <p:sldId id="280" r:id="rId18"/>
+    <p:sldId id="281" r:id="rId19"/>
+    <p:sldId id="282" r:id="rId20"/>
+    <p:sldId id="283" r:id="rId21"/>
   </p:sldIdLst>
   <p:sldSz cx="9144000" cy="6858000" type="screen4x3"/>
   <p:notesSz cx="6648450" cy="9782175"/>
@@ -3788,7 +3791,7 @@
           <a:p>
             <a:r>
               <a:rPr lang="fr-FR" dirty="0"/>
-              <a:t>Données numériques en série</a:t>
+              <a:t>I/O Numérique</a:t>
             </a:r>
           </a:p>
         </p:txBody>
@@ -3810,6 +3813,390 @@
           <a:p>
             <a:r>
               <a:rPr lang="fr-FR" dirty="0"/>
+              <a:t>Reçoit des 0 et des 1</a:t>
+            </a:r>
+          </a:p>
+          <a:p>
+            <a:pPr lvl="1"/>
+            <a:r>
+              <a:rPr lang="fr-FR" dirty="0"/>
+              <a:t>0 correspond à 0V</a:t>
+            </a:r>
+          </a:p>
+          <a:p>
+            <a:pPr lvl="1"/>
+            <a:r>
+              <a:rPr lang="fr-FR" dirty="0"/>
+              <a:t>1 correspond à 5V</a:t>
+            </a:r>
+          </a:p>
+          <a:p>
+            <a:r>
+              <a:rPr lang="fr-FR" dirty="0"/>
+              <a:t>Les données peuvent être envoyées avec une certaine fréquence (</a:t>
+            </a:r>
+            <a:r>
+              <a:rPr lang="fr-FR" dirty="0" err="1"/>
+              <a:t>baudrate</a:t>
+            </a:r>
+            <a:r>
+              <a:rPr lang="fr-FR" dirty="0"/>
+              <a:t>) pour pouvoir fabriquer des chiffres</a:t>
+            </a:r>
+          </a:p>
+          <a:p>
+            <a:r>
+              <a:rPr lang="fr-FR" dirty="0"/>
+              <a:t>Principe de la communication de série</a:t>
+            </a:r>
+          </a:p>
+          <a:p>
+            <a:r>
+              <a:rPr lang="fr-FR" dirty="0"/>
+              <a:t>Il existe des bus de communication pour faciliter ce traitement</a:t>
+            </a:r>
+          </a:p>
+          <a:p>
+            <a:pPr lvl="1"/>
+            <a:endParaRPr lang="fr-FR" dirty="0"/>
+          </a:p>
+        </p:txBody>
+      </p:sp>
+    </p:spTree>
+    <p:extLst>
+      <p:ext uri="{BB962C8B-B14F-4D97-AF65-F5344CB8AC3E}">
+        <p14:creationId xmlns:p14="http://schemas.microsoft.com/office/powerpoint/2010/main" val="853419029"/>
+      </p:ext>
+    </p:extLst>
+  </p:cSld>
+  <p:clrMapOvr>
+    <a:masterClrMapping/>
+  </p:clrMapOvr>
+</p:sld>
+</file>
+
+<file path=ppt/slides/slide11.xml><?xml version="1.0" encoding="utf-8"?>
+<p:sld xmlns:a="http://schemas.openxmlformats.org/drawingml/2006/main" xmlns:r="http://schemas.openxmlformats.org/officeDocument/2006/relationships" xmlns:p="http://schemas.openxmlformats.org/presentationml/2006/main">
+  <p:cSld>
+    <p:spTree>
+      <p:nvGrpSpPr>
+        <p:cNvPr id="1" name=""/>
+        <p:cNvGrpSpPr/>
+        <p:nvPr/>
+      </p:nvGrpSpPr>
+      <p:grpSpPr>
+        <a:xfrm>
+          <a:off x="0" y="0"/>
+          <a:ext cx="0" cy="0"/>
+          <a:chOff x="0" y="0"/>
+          <a:chExt cx="0" cy="0"/>
+        </a:xfrm>
+      </p:grpSpPr>
+      <p:sp>
+        <p:nvSpPr>
+          <p:cNvPr id="2" name="Titre 1"/>
+          <p:cNvSpPr>
+            <a:spLocks noGrp="1"/>
+          </p:cNvSpPr>
+          <p:nvPr>
+            <p:ph type="title"/>
+          </p:nvPr>
+        </p:nvSpPr>
+        <p:spPr/>
+        <p:txBody>
+          <a:bodyPr/>
+          <a:lstStyle/>
+          <a:p>
+            <a:r>
+              <a:rPr lang="fr-FR" dirty="0"/>
+              <a:t>I/O Analogiques</a:t>
+            </a:r>
+          </a:p>
+        </p:txBody>
+      </p:sp>
+      <p:sp>
+        <p:nvSpPr>
+          <p:cNvPr id="3" name="Espace réservé du contenu 2"/>
+          <p:cNvSpPr>
+            <a:spLocks noGrp="1"/>
+          </p:cNvSpPr>
+          <p:nvPr>
+            <p:ph idx="1"/>
+          </p:nvPr>
+        </p:nvSpPr>
+        <p:spPr/>
+        <p:txBody>
+          <a:bodyPr/>
+          <a:lstStyle/>
+          <a:p>
+            <a:r>
+              <a:rPr lang="fr-FR" dirty="0"/>
+              <a:t>I/O Analogiques et une entrée sortie avec une valeur comprise entre 0V et 5V</a:t>
+            </a:r>
+          </a:p>
+          <a:p>
+            <a:r>
+              <a:rPr lang="fr-FR" dirty="0"/>
+              <a:t>Il faut ensuite convertir cette valeur en un chiffre traitable par programmation</a:t>
+            </a:r>
+          </a:p>
+          <a:p>
+            <a:r>
+              <a:rPr lang="fr-FR" dirty="0"/>
+              <a:t>Exemple d'entrée analogique</a:t>
+            </a:r>
+          </a:p>
+          <a:p>
+            <a:pPr lvl="1"/>
+            <a:r>
+              <a:rPr lang="fr-FR" dirty="0"/>
+              <a:t>Un capteur analogique (température, pression, …)</a:t>
+            </a:r>
+          </a:p>
+          <a:p>
+            <a:pPr lvl="1"/>
+            <a:r>
+              <a:rPr lang="fr-FR" dirty="0"/>
+              <a:t>Un gyroscope</a:t>
+            </a:r>
+          </a:p>
+          <a:p>
+            <a:r>
+              <a:rPr lang="fr-FR" dirty="0"/>
+              <a:t>Exemple de sortie analogique</a:t>
+            </a:r>
+          </a:p>
+          <a:p>
+            <a:pPr lvl="1"/>
+            <a:r>
+              <a:rPr lang="fr-FR" dirty="0"/>
+              <a:t>Une </a:t>
+            </a:r>
+            <a:r>
+              <a:rPr lang="fr-FR" dirty="0" err="1"/>
+              <a:t>Led</a:t>
+            </a:r>
+            <a:r>
+              <a:rPr lang="fr-FR" dirty="0"/>
+              <a:t> en fading</a:t>
+            </a:r>
+          </a:p>
+          <a:p>
+            <a:pPr lvl="1"/>
+            <a:endParaRPr lang="fr-FR" dirty="0"/>
+          </a:p>
+          <a:p>
+            <a:endParaRPr lang="fr-FR" dirty="0"/>
+          </a:p>
+        </p:txBody>
+      </p:sp>
+    </p:spTree>
+    <p:extLst>
+      <p:ext uri="{BB962C8B-B14F-4D97-AF65-F5344CB8AC3E}">
+        <p14:creationId xmlns:p14="http://schemas.microsoft.com/office/powerpoint/2010/main" val="624572129"/>
+      </p:ext>
+    </p:extLst>
+  </p:cSld>
+  <p:clrMapOvr>
+    <a:masterClrMapping/>
+  </p:clrMapOvr>
+</p:sld>
+</file>
+
+<file path=ppt/slides/slide12.xml><?xml version="1.0" encoding="utf-8"?>
+<p:sld xmlns:a="http://schemas.openxmlformats.org/drawingml/2006/main" xmlns:r="http://schemas.openxmlformats.org/officeDocument/2006/relationships" xmlns:p="http://schemas.openxmlformats.org/presentationml/2006/main">
+  <p:cSld>
+    <p:spTree>
+      <p:nvGrpSpPr>
+        <p:cNvPr id="1" name=""/>
+        <p:cNvGrpSpPr/>
+        <p:nvPr/>
+      </p:nvGrpSpPr>
+      <p:grpSpPr>
+        <a:xfrm>
+          <a:off x="0" y="0"/>
+          <a:ext cx="0" cy="0"/>
+          <a:chOff x="0" y="0"/>
+          <a:chExt cx="0" cy="0"/>
+        </a:xfrm>
+      </p:grpSpPr>
+      <p:sp>
+        <p:nvSpPr>
+          <p:cNvPr id="2" name="Titre 1"/>
+          <p:cNvSpPr>
+            <a:spLocks noGrp="1"/>
+          </p:cNvSpPr>
+          <p:nvPr>
+            <p:ph type="title"/>
+          </p:nvPr>
+        </p:nvSpPr>
+        <p:spPr/>
+        <p:txBody>
+          <a:bodyPr/>
+          <a:lstStyle/>
+          <a:p>
+            <a:r>
+              <a:rPr lang="fr-FR" dirty="0"/>
+              <a:t>I/O Numérique</a:t>
+            </a:r>
+          </a:p>
+        </p:txBody>
+      </p:sp>
+      <p:sp>
+        <p:nvSpPr>
+          <p:cNvPr id="3" name="Espace réservé du contenu 2"/>
+          <p:cNvSpPr>
+            <a:spLocks noGrp="1"/>
+          </p:cNvSpPr>
+          <p:nvPr>
+            <p:ph idx="1"/>
+          </p:nvPr>
+        </p:nvSpPr>
+        <p:spPr/>
+        <p:txBody>
+          <a:bodyPr/>
+          <a:lstStyle/>
+          <a:p>
+            <a:r>
+              <a:rPr lang="fr-FR" dirty="0"/>
+              <a:t>Exemple de sortie numérique</a:t>
+            </a:r>
+          </a:p>
+          <a:p>
+            <a:pPr lvl="1"/>
+            <a:r>
+              <a:rPr lang="fr-FR" dirty="0"/>
+              <a:t>Une </a:t>
+            </a:r>
+            <a:r>
+              <a:rPr lang="fr-FR" dirty="0" err="1"/>
+              <a:t>led</a:t>
+            </a:r>
+            <a:r>
+              <a:rPr lang="fr-FR" dirty="0"/>
+              <a:t> on / off</a:t>
+            </a:r>
+          </a:p>
+          <a:p>
+            <a:pPr lvl="1"/>
+            <a:r>
+              <a:rPr lang="fr-FR" dirty="0"/>
+              <a:t>Un relais de puissance</a:t>
+            </a:r>
+          </a:p>
+          <a:p>
+            <a:pPr lvl="1"/>
+            <a:r>
+              <a:rPr lang="fr-FR" dirty="0"/>
+              <a:t>Un port série</a:t>
+            </a:r>
+          </a:p>
+          <a:p>
+            <a:pPr lvl="1"/>
+            <a:r>
+              <a:rPr lang="fr-FR" dirty="0"/>
+              <a:t>…</a:t>
+            </a:r>
+          </a:p>
+          <a:p>
+            <a:r>
+              <a:rPr lang="fr-FR" dirty="0"/>
+              <a:t>Exemple d'entrée numérique</a:t>
+            </a:r>
+          </a:p>
+          <a:p>
+            <a:pPr lvl="1"/>
+            <a:r>
+              <a:rPr lang="fr-FR" dirty="0"/>
+              <a:t>Un bouton poussoir</a:t>
+            </a:r>
+          </a:p>
+          <a:p>
+            <a:pPr lvl="1"/>
+            <a:r>
+              <a:rPr lang="fr-FR" dirty="0"/>
+              <a:t>Un capteur numérique</a:t>
+            </a:r>
+          </a:p>
+          <a:p>
+            <a:pPr lvl="1"/>
+            <a:endParaRPr lang="fr-FR" dirty="0"/>
+          </a:p>
+          <a:p>
+            <a:pPr lvl="1"/>
+            <a:endParaRPr lang="fr-FR" dirty="0"/>
+          </a:p>
+        </p:txBody>
+      </p:sp>
+    </p:spTree>
+    <p:extLst>
+      <p:ext uri="{BB962C8B-B14F-4D97-AF65-F5344CB8AC3E}">
+        <p14:creationId xmlns:p14="http://schemas.microsoft.com/office/powerpoint/2010/main" val="2910901563"/>
+      </p:ext>
+    </p:extLst>
+  </p:cSld>
+  <p:clrMapOvr>
+    <a:masterClrMapping/>
+  </p:clrMapOvr>
+</p:sld>
+</file>
+
+<file path=ppt/slides/slide13.xml><?xml version="1.0" encoding="utf-8"?>
+<p:sld xmlns:a="http://schemas.openxmlformats.org/drawingml/2006/main" xmlns:r="http://schemas.openxmlformats.org/officeDocument/2006/relationships" xmlns:p="http://schemas.openxmlformats.org/presentationml/2006/main">
+  <p:cSld>
+    <p:spTree>
+      <p:nvGrpSpPr>
+        <p:cNvPr id="1" name=""/>
+        <p:cNvGrpSpPr/>
+        <p:nvPr/>
+      </p:nvGrpSpPr>
+      <p:grpSpPr>
+        <a:xfrm>
+          <a:off x="0" y="0"/>
+          <a:ext cx="0" cy="0"/>
+          <a:chOff x="0" y="0"/>
+          <a:chExt cx="0" cy="0"/>
+        </a:xfrm>
+      </p:grpSpPr>
+      <p:sp>
+        <p:nvSpPr>
+          <p:cNvPr id="2" name="Titre 1"/>
+          <p:cNvSpPr>
+            <a:spLocks noGrp="1"/>
+          </p:cNvSpPr>
+          <p:nvPr>
+            <p:ph type="title"/>
+          </p:nvPr>
+        </p:nvSpPr>
+        <p:spPr/>
+        <p:txBody>
+          <a:bodyPr/>
+          <a:lstStyle/>
+          <a:p>
+            <a:r>
+              <a:rPr lang="fr-FR" dirty="0"/>
+              <a:t>Données numériques en série</a:t>
+            </a:r>
+          </a:p>
+        </p:txBody>
+      </p:sp>
+      <p:sp>
+        <p:nvSpPr>
+          <p:cNvPr id="3" name="Espace réservé du contenu 2"/>
+          <p:cNvSpPr>
+            <a:spLocks noGrp="1"/>
+          </p:cNvSpPr>
+          <p:nvPr>
+            <p:ph idx="1"/>
+          </p:nvPr>
+        </p:nvSpPr>
+        <p:spPr/>
+        <p:txBody>
+          <a:bodyPr/>
+          <a:lstStyle/>
+          <a:p>
+            <a:r>
+              <a:rPr lang="fr-FR" dirty="0"/>
               <a:t>Les I/O numériques nécessitent l'échange de données en série</a:t>
             </a:r>
           </a:p>
@@ -3854,7 +4241,7 @@
 </p:sld>
 </file>
 
-<file path=ppt/slides/slide11.xml><?xml version="1.0" encoding="utf-8"?>
+<file path=ppt/slides/slide14.xml><?xml version="1.0" encoding="utf-8"?>
 <p:sld xmlns:a="http://schemas.openxmlformats.org/drawingml/2006/main" xmlns:r="http://schemas.openxmlformats.org/officeDocument/2006/relationships" xmlns:p="http://schemas.openxmlformats.org/presentationml/2006/main">
   <p:cSld>
     <p:spTree>
@@ -4030,7 +4417,7 @@
 </p:sld>
 </file>
 
-<file path=ppt/slides/slide12.xml><?xml version="1.0" encoding="utf-8"?>
+<file path=ppt/slides/slide15.xml><?xml version="1.0" encoding="utf-8"?>
 <p:sld xmlns:a="http://schemas.openxmlformats.org/drawingml/2006/main" xmlns:r="http://schemas.openxmlformats.org/officeDocument/2006/relationships" xmlns:p="http://schemas.openxmlformats.org/presentationml/2006/main">
   <p:cSld>
     <p:spTree>
@@ -4180,7 +4567,7 @@
 </p:sld>
 </file>
 
-<file path=ppt/slides/slide13.xml><?xml version="1.0" encoding="utf-8"?>
+<file path=ppt/slides/slide16.xml><?xml version="1.0" encoding="utf-8"?>
 <p:sld xmlns:a="http://schemas.openxmlformats.org/drawingml/2006/main" xmlns:r="http://schemas.openxmlformats.org/officeDocument/2006/relationships" xmlns:p="http://schemas.openxmlformats.org/presentationml/2006/main">
   <p:cSld>
     <p:spTree>
@@ -4555,7 +4942,7 @@
 </p:sld>
 </file>
 
-<file path=ppt/slides/slide14.xml><?xml version="1.0" encoding="utf-8"?>
+<file path=ppt/slides/slide17.xml><?xml version="1.0" encoding="utf-8"?>
 <p:sld xmlns:a="http://schemas.openxmlformats.org/drawingml/2006/main" xmlns:r="http://schemas.openxmlformats.org/officeDocument/2006/relationships" xmlns:p="http://schemas.openxmlformats.org/presentationml/2006/main">
   <p:cSld>
     <p:spTree>
@@ -4721,7 +5108,7 @@
 </p:sld>
 </file>
 
-<file path=ppt/slides/slide15.xml><?xml version="1.0" encoding="utf-8"?>
+<file path=ppt/slides/slide18.xml><?xml version="1.0" encoding="utf-8"?>
 <p:sld xmlns:a="http://schemas.openxmlformats.org/drawingml/2006/main" xmlns:r="http://schemas.openxmlformats.org/officeDocument/2006/relationships" xmlns:p="http://schemas.openxmlformats.org/presentationml/2006/main">
   <p:cSld>
     <p:spTree>
@@ -4862,7 +5249,7 @@
 </p:sld>
 </file>
 
-<file path=ppt/slides/slide16.xml><?xml version="1.0" encoding="utf-8"?>
+<file path=ppt/slides/slide19.xml><?xml version="1.0" encoding="utf-8"?>
 <p:sld xmlns:a="http://schemas.openxmlformats.org/drawingml/2006/main" xmlns:r="http://schemas.openxmlformats.org/officeDocument/2006/relationships" xmlns:p="http://schemas.openxmlformats.org/presentationml/2006/main">
   <p:cSld>
     <p:spTree>
@@ -5052,7 +5439,146 @@
 </p:sld>
 </file>
 
-<file path=ppt/slides/slide17.xml><?xml version="1.0" encoding="utf-8"?>
+<file path=ppt/slides/slide2.xml><?xml version="1.0" encoding="utf-8"?>
+<p:sld xmlns:a="http://schemas.openxmlformats.org/drawingml/2006/main" xmlns:r="http://schemas.openxmlformats.org/officeDocument/2006/relationships" xmlns:p="http://schemas.openxmlformats.org/presentationml/2006/main">
+  <p:cSld>
+    <p:spTree>
+      <p:nvGrpSpPr>
+        <p:cNvPr id="1" name=""/>
+        <p:cNvGrpSpPr/>
+        <p:nvPr/>
+      </p:nvGrpSpPr>
+      <p:grpSpPr>
+        <a:xfrm>
+          <a:off x="0" y="0"/>
+          <a:ext cx="0" cy="0"/>
+          <a:chOff x="0" y="0"/>
+          <a:chExt cx="0" cy="0"/>
+        </a:xfrm>
+      </p:grpSpPr>
+      <p:sp>
+        <p:nvSpPr>
+          <p:cNvPr id="2" name="Titre 1">
+            <a:extLst>
+              <a:ext uri="{FF2B5EF4-FFF2-40B4-BE49-F238E27FC236}">
+                <a16:creationId xmlns:a16="http://schemas.microsoft.com/office/drawing/2014/main" id="{80945D59-366A-FF51-726E-206581DEFEAA}"/>
+              </a:ext>
+            </a:extLst>
+          </p:cNvPr>
+          <p:cNvSpPr>
+            <a:spLocks noGrp="1"/>
+          </p:cNvSpPr>
+          <p:nvPr>
+            <p:ph type="title"/>
+          </p:nvPr>
+        </p:nvSpPr>
+        <p:spPr/>
+        <p:txBody>
+          <a:bodyPr/>
+          <a:lstStyle/>
+          <a:p>
+            <a:r>
+              <a:rPr lang="fr-FR" dirty="0"/>
+              <a:t>TTL</a:t>
+            </a:r>
+          </a:p>
+        </p:txBody>
+      </p:sp>
+      <p:sp>
+        <p:nvSpPr>
+          <p:cNvPr id="3" name="Espace réservé du contenu 2">
+            <a:extLst>
+              <a:ext uri="{FF2B5EF4-FFF2-40B4-BE49-F238E27FC236}">
+                <a16:creationId xmlns:a16="http://schemas.microsoft.com/office/drawing/2014/main" id="{B18D8693-35D5-4C76-EB01-D6B9260DC726}"/>
+              </a:ext>
+            </a:extLst>
+          </p:cNvPr>
+          <p:cNvSpPr>
+            <a:spLocks noGrp="1"/>
+          </p:cNvSpPr>
+          <p:nvPr>
+            <p:ph idx="1"/>
+          </p:nvPr>
+        </p:nvSpPr>
+        <p:spPr>
+          <a:xfrm>
+            <a:off x="179513" y="1412776"/>
+            <a:ext cx="5832648" cy="5040560"/>
+          </a:xfrm>
+        </p:spPr>
+        <p:txBody>
+          <a:bodyPr/>
+          <a:lstStyle/>
+          <a:p>
+            <a:r>
+              <a:rPr lang="fr-FR" dirty="0"/>
+              <a:t>Transistor – Transistor Logic</a:t>
+            </a:r>
+          </a:p>
+          <a:p>
+            <a:r>
+              <a:rPr lang="fr-FR" dirty="0"/>
+              <a:t>Les circuits TTL sont des transistors dont le niveau bas est à 0v et le niveau haut à 5V</a:t>
+            </a:r>
+          </a:p>
+          <a:p>
+            <a:r>
+              <a:rPr lang="fr-FR" dirty="0"/>
+              <a:t>L'Arduino est donc compatible TTL</a:t>
+            </a:r>
+          </a:p>
+          <a:p>
+            <a:endParaRPr lang="fr-FR" dirty="0"/>
+          </a:p>
+          <a:p>
+            <a:endParaRPr lang="fr-FR" dirty="0"/>
+          </a:p>
+        </p:txBody>
+      </p:sp>
+      <p:pic>
+        <p:nvPicPr>
+          <p:cNvPr id="5" name="Image 4">
+            <a:extLst>
+              <a:ext uri="{FF2B5EF4-FFF2-40B4-BE49-F238E27FC236}">
+                <a16:creationId xmlns:a16="http://schemas.microsoft.com/office/drawing/2014/main" id="{230E5B7B-152C-6C38-A4C3-2982A4D06CFD}"/>
+              </a:ext>
+            </a:extLst>
+          </p:cNvPr>
+          <p:cNvPicPr>
+            <a:picLocks noChangeAspect="1"/>
+          </p:cNvPicPr>
+          <p:nvPr/>
+        </p:nvPicPr>
+        <p:blipFill>
+          <a:blip r:embed="rId2"/>
+          <a:stretch>
+            <a:fillRect/>
+          </a:stretch>
+        </p:blipFill>
+        <p:spPr>
+          <a:xfrm>
+            <a:off x="6551210" y="2666054"/>
+            <a:ext cx="2495898" cy="1267002"/>
+          </a:xfrm>
+          <a:prstGeom prst="rect">
+            <a:avLst/>
+          </a:prstGeom>
+        </p:spPr>
+      </p:pic>
+    </p:spTree>
+    <p:extLst>
+      <p:ext uri="{BB962C8B-B14F-4D97-AF65-F5344CB8AC3E}">
+        <p14:creationId xmlns:p14="http://schemas.microsoft.com/office/powerpoint/2010/main" val="1948905275"/>
+      </p:ext>
+    </p:extLst>
+  </p:cSld>
+  <p:clrMapOvr>
+    <a:masterClrMapping/>
+  </p:clrMapOvr>
+</p:sld>
+</file>
+
+<file path=ppt/slides/slide20.xml><?xml version="1.0" encoding="utf-8"?>
 <p:sld xmlns:a="http://schemas.openxmlformats.org/drawingml/2006/main" xmlns:r="http://schemas.openxmlformats.org/officeDocument/2006/relationships" xmlns:p="http://schemas.openxmlformats.org/presentationml/2006/main">
   <p:cSld>
     <p:spTree>
@@ -5218,7 +5744,143 @@
 </p:sld>
 </file>
 
-<file path=ppt/slides/slide2.xml><?xml version="1.0" encoding="utf-8"?>
+<file path=ppt/slides/slide3.xml><?xml version="1.0" encoding="utf-8"?>
+<p:sld xmlns:a="http://schemas.openxmlformats.org/drawingml/2006/main" xmlns:r="http://schemas.openxmlformats.org/officeDocument/2006/relationships" xmlns:p="http://schemas.openxmlformats.org/presentationml/2006/main">
+  <p:cSld>
+    <p:spTree>
+      <p:nvGrpSpPr>
+        <p:cNvPr id="1" name=""/>
+        <p:cNvGrpSpPr/>
+        <p:nvPr/>
+      </p:nvGrpSpPr>
+      <p:grpSpPr>
+        <a:xfrm>
+          <a:off x="0" y="0"/>
+          <a:ext cx="0" cy="0"/>
+          <a:chOff x="0" y="0"/>
+          <a:chExt cx="0" cy="0"/>
+        </a:xfrm>
+      </p:grpSpPr>
+      <p:sp>
+        <p:nvSpPr>
+          <p:cNvPr id="2" name="Titre 1">
+            <a:extLst>
+              <a:ext uri="{FF2B5EF4-FFF2-40B4-BE49-F238E27FC236}">
+                <a16:creationId xmlns:a16="http://schemas.microsoft.com/office/drawing/2014/main" id="{2AF2AD59-1110-3B4C-12E9-260F5452363F}"/>
+              </a:ext>
+            </a:extLst>
+          </p:cNvPr>
+          <p:cNvSpPr>
+            <a:spLocks noGrp="1"/>
+          </p:cNvSpPr>
+          <p:nvPr>
+            <p:ph type="title"/>
+          </p:nvPr>
+        </p:nvSpPr>
+        <p:spPr/>
+        <p:txBody>
+          <a:bodyPr/>
+          <a:lstStyle/>
+          <a:p>
+            <a:r>
+              <a:rPr lang="fr-FR" dirty="0"/>
+              <a:t>LLC</a:t>
+            </a:r>
+          </a:p>
+        </p:txBody>
+      </p:sp>
+      <p:sp>
+        <p:nvSpPr>
+          <p:cNvPr id="3" name="Espace réservé du contenu 2">
+            <a:extLst>
+              <a:ext uri="{FF2B5EF4-FFF2-40B4-BE49-F238E27FC236}">
+                <a16:creationId xmlns:a16="http://schemas.microsoft.com/office/drawing/2014/main" id="{F1032F97-99F5-8834-B625-25E1437EB5D7}"/>
+              </a:ext>
+            </a:extLst>
+          </p:cNvPr>
+          <p:cNvSpPr>
+            <a:spLocks noGrp="1"/>
+          </p:cNvSpPr>
+          <p:nvPr>
+            <p:ph idx="1"/>
+          </p:nvPr>
+        </p:nvSpPr>
+        <p:spPr/>
+        <p:txBody>
+          <a:bodyPr/>
+          <a:lstStyle/>
+          <a:p>
+            <a:r>
+              <a:rPr lang="fr-FR" dirty="0"/>
+              <a:t>Le cœur de l'Arduino est en 3.3v</a:t>
+            </a:r>
+          </a:p>
+          <a:p>
+            <a:pPr lvl="1"/>
+            <a:r>
+              <a:rPr lang="fr-FR" dirty="0"/>
+              <a:t>Mais tous les I/O sont en 5v</a:t>
+            </a:r>
+          </a:p>
+          <a:p>
+            <a:pPr lvl="1"/>
+            <a:r>
+              <a:rPr lang="fr-FR" dirty="0"/>
+              <a:t>Utilisation intégrée d'un LLC</a:t>
+            </a:r>
+          </a:p>
+          <a:p>
+            <a:pPr lvl="1"/>
+            <a:r>
+              <a:rPr lang="fr-FR" dirty="0"/>
+              <a:t>Logic </a:t>
+            </a:r>
+            <a:r>
+              <a:rPr lang="fr-FR" dirty="0" err="1"/>
+              <a:t>Level</a:t>
+            </a:r>
+            <a:r>
+              <a:rPr lang="fr-FR" dirty="0"/>
+              <a:t> Converter 3.3v </a:t>
+            </a:r>
+            <a:r>
+              <a:rPr lang="fr-FR" dirty="0">
+                <a:sym typeface="Wingdings" panose="05000000000000000000" pitchFamily="2" charset="2"/>
+              </a:rPr>
+              <a:t> </a:t>
+            </a:r>
+            <a:r>
+              <a:rPr lang="fr-FR" dirty="0"/>
+              <a:t>5v</a:t>
+            </a:r>
+          </a:p>
+          <a:p>
+            <a:pPr lvl="1"/>
+            <a:r>
+              <a:rPr lang="fr-FR"/>
+              <a:t>Pour </a:t>
+            </a:r>
+            <a:r>
+              <a:rPr lang="fr-FR" dirty="0"/>
+              <a:t>être complètement compatible TTL</a:t>
+            </a:r>
+          </a:p>
+        </p:txBody>
+      </p:sp>
+    </p:spTree>
+    <p:extLst>
+      <p:ext uri="{BB962C8B-B14F-4D97-AF65-F5344CB8AC3E}">
+        <p14:creationId xmlns:p14="http://schemas.microsoft.com/office/powerpoint/2010/main" val="2346268366"/>
+      </p:ext>
+    </p:extLst>
+  </p:cSld>
+  <p:clrMapOvr>
+    <a:masterClrMapping/>
+  </p:clrMapOvr>
+</p:sld>
+</file>
+
+<file path=ppt/slides/slide4.xml><?xml version="1.0" encoding="utf-8"?>
 <p:sld xmlns:a="http://schemas.openxmlformats.org/drawingml/2006/main" xmlns:r="http://schemas.openxmlformats.org/officeDocument/2006/relationships" xmlns:p="http://schemas.openxmlformats.org/presentationml/2006/main">
   <p:cSld>
     <p:spTree>
@@ -5333,7 +5995,7 @@
 </p:sld>
 </file>
 
-<file path=ppt/slides/slide3.xml><?xml version="1.0" encoding="utf-8"?>
+<file path=ppt/slides/slide5.xml><?xml version="1.0" encoding="utf-8"?>
 <p:sld xmlns:a="http://schemas.openxmlformats.org/drawingml/2006/main" xmlns:r="http://schemas.openxmlformats.org/officeDocument/2006/relationships" xmlns:p="http://schemas.openxmlformats.org/presentationml/2006/main">
   <p:cSld>
     <p:spTree>
@@ -5566,7 +6228,7 @@
 </p:sld>
 </file>
 
-<file path=ppt/slides/slide4.xml><?xml version="1.0" encoding="utf-8"?>
+<file path=ppt/slides/slide6.xml><?xml version="1.0" encoding="utf-8"?>
 <p:sld xmlns:a="http://schemas.openxmlformats.org/drawingml/2006/main" xmlns:r="http://schemas.openxmlformats.org/officeDocument/2006/relationships" xmlns:p="http://schemas.openxmlformats.org/presentationml/2006/main">
   <p:cSld>
     <p:spTree>
@@ -5653,7 +6315,7 @@
 </p:sld>
 </file>
 
-<file path=ppt/slides/slide5.xml><?xml version="1.0" encoding="utf-8"?>
+<file path=ppt/slides/slide7.xml><?xml version="1.0" encoding="utf-8"?>
 <p:sld xmlns:a="http://schemas.openxmlformats.org/drawingml/2006/main" xmlns:r="http://schemas.openxmlformats.org/officeDocument/2006/relationships" xmlns:p="http://schemas.openxmlformats.org/presentationml/2006/main">
   <p:cSld>
     <p:spTree>
@@ -5731,6 +6393,7 @@
             </a:r>
           </a:p>
           <a:p>
+            <a:pPr lvl="1"/>
             <a:r>
               <a:rPr lang="fr-FR" dirty="0"/>
               <a:t>Nécessite un Bridge</a:t>
@@ -5740,26 +6403,25 @@
             <a:pPr lvl="1"/>
             <a:r>
               <a:rPr lang="fr-FR" dirty="0"/>
-              <a:t>Ou une carte </a:t>
-            </a:r>
+              <a:t>Nécessite des </a:t>
+            </a:r>
+            <a:r>
+              <a:rPr lang="fr-FR" dirty="0" err="1"/>
+              <a:t>devices</a:t>
+            </a:r>
+            <a:r>
+              <a:rPr lang="fr-FR" dirty="0"/>
+              <a:t> avec un branchement adapté</a:t>
+            </a:r>
+          </a:p>
+          <a:p>
             <a:r>
               <a:rPr lang="fr-FR" dirty="0" err="1"/>
               <a:t>Seeeduino</a:t>
             </a:r>
-            <a:endParaRPr lang="fr-FR" dirty="0"/>
-          </a:p>
-          <a:p>
-            <a:r>
-              <a:rPr lang="fr-FR" dirty="0"/>
-              <a:t>Nécessite des </a:t>
-            </a:r>
-            <a:r>
-              <a:rPr lang="fr-FR" dirty="0" err="1"/>
-              <a:t>devices</a:t>
-            </a:r>
-            <a:r>
-              <a:rPr lang="fr-FR" dirty="0"/>
-              <a:t> adaptées</a:t>
+            <a:r>
+              <a:rPr lang="fr-FR" dirty="0"/>
+              <a:t> Lotus</a:t>
             </a:r>
           </a:p>
           <a:p>
@@ -5865,286 +6527,6 @@
 </p:sld>
 </file>
 
-<file path=ppt/slides/slide6.xml><?xml version="1.0" encoding="utf-8"?>
-<p:sld xmlns:a="http://schemas.openxmlformats.org/drawingml/2006/main" xmlns:r="http://schemas.openxmlformats.org/officeDocument/2006/relationships" xmlns:p="http://schemas.openxmlformats.org/presentationml/2006/main">
-  <p:cSld>
-    <p:spTree>
-      <p:nvGrpSpPr>
-        <p:cNvPr id="1" name=""/>
-        <p:cNvGrpSpPr/>
-        <p:nvPr/>
-      </p:nvGrpSpPr>
-      <p:grpSpPr>
-        <a:xfrm>
-          <a:off x="0" y="0"/>
-          <a:ext cx="0" cy="0"/>
-          <a:chOff x="0" y="0"/>
-          <a:chExt cx="0" cy="0"/>
-        </a:xfrm>
-      </p:grpSpPr>
-      <p:sp>
-        <p:nvSpPr>
-          <p:cNvPr id="2" name="Titre 1"/>
-          <p:cNvSpPr>
-            <a:spLocks noGrp="1"/>
-          </p:cNvSpPr>
-          <p:nvPr>
-            <p:ph type="title"/>
-          </p:nvPr>
-        </p:nvSpPr>
-        <p:spPr/>
-        <p:txBody>
-          <a:bodyPr/>
-          <a:lstStyle/>
-          <a:p>
-            <a:r>
-              <a:rPr lang="fr-FR" dirty="0"/>
-              <a:t>Alimentation</a:t>
-            </a:r>
-          </a:p>
-        </p:txBody>
-      </p:sp>
-      <p:sp>
-        <p:nvSpPr>
-          <p:cNvPr id="3" name="Espace réservé du contenu 2"/>
-          <p:cNvSpPr>
-            <a:spLocks noGrp="1"/>
-          </p:cNvSpPr>
-          <p:nvPr>
-            <p:ph idx="1"/>
-          </p:nvPr>
-        </p:nvSpPr>
-        <p:spPr/>
-        <p:txBody>
-          <a:bodyPr/>
-          <a:lstStyle/>
-          <a:p>
-            <a:r>
-              <a:rPr lang="fr-FR" dirty="0"/>
-              <a:t>L'</a:t>
-            </a:r>
-            <a:r>
-              <a:rPr lang="fr-FR" dirty="0" err="1"/>
-              <a:t>Arduino</a:t>
-            </a:r>
-            <a:r>
-              <a:rPr lang="fr-FR" dirty="0"/>
-              <a:t> peut être alimenté de 5V à 12V</a:t>
-            </a:r>
-          </a:p>
-          <a:p>
-            <a:pPr lvl="1"/>
-            <a:r>
-              <a:rPr lang="fr-FR" dirty="0" err="1"/>
-              <a:t>Pmin</a:t>
-            </a:r>
-            <a:r>
-              <a:rPr lang="fr-FR" dirty="0"/>
-              <a:t> = 0.1W sans </a:t>
-            </a:r>
-            <a:r>
-              <a:rPr lang="fr-FR" dirty="0" err="1"/>
-              <a:t>device</a:t>
-            </a:r>
-            <a:r>
-              <a:rPr lang="fr-FR" dirty="0"/>
-              <a:t>, </a:t>
-            </a:r>
-            <a:r>
-              <a:rPr lang="fr-FR" dirty="0" err="1"/>
-              <a:t>Pmax</a:t>
-            </a:r>
-            <a:r>
-              <a:rPr lang="fr-FR" dirty="0"/>
-              <a:t> = 2.5W</a:t>
-            </a:r>
-          </a:p>
-          <a:p>
-            <a:r>
-              <a:rPr lang="fr-FR" dirty="0"/>
-              <a:t>Alimenté par USB (5.1V) ou par connecteur</a:t>
-            </a:r>
-          </a:p>
-          <a:p>
-            <a:pPr lvl="1"/>
-            <a:r>
-              <a:rPr lang="fr-FR" dirty="0"/>
-              <a:t>Le connecteur l'emporte sur l'USB</a:t>
-            </a:r>
-          </a:p>
-          <a:p>
-            <a:pPr lvl="1"/>
-            <a:r>
-              <a:rPr lang="fr-FR" dirty="0"/>
-              <a:t>Pas de fusible !</a:t>
-            </a:r>
-          </a:p>
-          <a:p>
-            <a:pPr lvl="1"/>
-            <a:r>
-              <a:rPr lang="fr-FR" dirty="0"/>
-              <a:t>Chute de tension maximale : 1V</a:t>
-            </a:r>
-          </a:p>
-          <a:p>
-            <a:pPr lvl="1"/>
-            <a:r>
-              <a:rPr lang="fr-FR" dirty="0"/>
-              <a:t>Prévoir une tension de 6V</a:t>
-            </a:r>
-          </a:p>
-          <a:p>
-            <a:pPr lvl="1"/>
-            <a:r>
-              <a:rPr lang="fr-FR" dirty="0"/>
-              <a:t>Puissance maximale par broche 40mA</a:t>
-            </a:r>
-          </a:p>
-          <a:p>
-            <a:endParaRPr lang="fr-FR" dirty="0"/>
-          </a:p>
-          <a:p>
-            <a:endParaRPr lang="fr-FR" dirty="0"/>
-          </a:p>
-          <a:p>
-            <a:endParaRPr lang="fr-FR" dirty="0"/>
-          </a:p>
-          <a:p>
-            <a:endParaRPr lang="fr-FR" dirty="0"/>
-          </a:p>
-        </p:txBody>
-      </p:sp>
-    </p:spTree>
-    <p:extLst>
-      <p:ext uri="{BB962C8B-B14F-4D97-AF65-F5344CB8AC3E}">
-        <p14:creationId xmlns:p14="http://schemas.microsoft.com/office/powerpoint/2010/main" val="83916020"/>
-      </p:ext>
-    </p:extLst>
-  </p:cSld>
-  <p:clrMapOvr>
-    <a:masterClrMapping/>
-  </p:clrMapOvr>
-</p:sld>
-</file>
-
-<file path=ppt/slides/slide7.xml><?xml version="1.0" encoding="utf-8"?>
-<p:sld xmlns:a="http://schemas.openxmlformats.org/drawingml/2006/main" xmlns:r="http://schemas.openxmlformats.org/officeDocument/2006/relationships" xmlns:p="http://schemas.openxmlformats.org/presentationml/2006/main">
-  <p:cSld>
-    <p:spTree>
-      <p:nvGrpSpPr>
-        <p:cNvPr id="1" name=""/>
-        <p:cNvGrpSpPr/>
-        <p:nvPr/>
-      </p:nvGrpSpPr>
-      <p:grpSpPr>
-        <a:xfrm>
-          <a:off x="0" y="0"/>
-          <a:ext cx="0" cy="0"/>
-          <a:chOff x="0" y="0"/>
-          <a:chExt cx="0" cy="0"/>
-        </a:xfrm>
-      </p:grpSpPr>
-      <p:sp>
-        <p:nvSpPr>
-          <p:cNvPr id="2" name="Titre 1"/>
-          <p:cNvSpPr>
-            <a:spLocks noGrp="1"/>
-          </p:cNvSpPr>
-          <p:nvPr>
-            <p:ph type="title"/>
-          </p:nvPr>
-        </p:nvSpPr>
-        <p:spPr/>
-        <p:txBody>
-          <a:bodyPr/>
-          <a:lstStyle/>
-          <a:p>
-            <a:r>
-              <a:rPr lang="fr-FR" dirty="0"/>
-              <a:t>I/O Numérique</a:t>
-            </a:r>
-          </a:p>
-        </p:txBody>
-      </p:sp>
-      <p:sp>
-        <p:nvSpPr>
-          <p:cNvPr id="3" name="Espace réservé du contenu 2"/>
-          <p:cNvSpPr>
-            <a:spLocks noGrp="1"/>
-          </p:cNvSpPr>
-          <p:nvPr>
-            <p:ph idx="1"/>
-          </p:nvPr>
-        </p:nvSpPr>
-        <p:spPr/>
-        <p:txBody>
-          <a:bodyPr/>
-          <a:lstStyle/>
-          <a:p>
-            <a:r>
-              <a:rPr lang="fr-FR" dirty="0"/>
-              <a:t>Reçoit des 0 et des 1</a:t>
-            </a:r>
-          </a:p>
-          <a:p>
-            <a:pPr lvl="1"/>
-            <a:r>
-              <a:rPr lang="fr-FR" dirty="0"/>
-              <a:t>0 correspond à 0V</a:t>
-            </a:r>
-          </a:p>
-          <a:p>
-            <a:pPr lvl="1"/>
-            <a:r>
-              <a:rPr lang="fr-FR" dirty="0"/>
-              <a:t>1 correspond à 5V</a:t>
-            </a:r>
-          </a:p>
-          <a:p>
-            <a:r>
-              <a:rPr lang="fr-FR" dirty="0"/>
-              <a:t>Les données peuvent être envoyées avec une certaine fréquence (</a:t>
-            </a:r>
-            <a:r>
-              <a:rPr lang="fr-FR" dirty="0" err="1"/>
-              <a:t>baudrate</a:t>
-            </a:r>
-            <a:r>
-              <a:rPr lang="fr-FR" dirty="0"/>
-              <a:t>) pour pouvoir fabriquer des chiffres</a:t>
-            </a:r>
-          </a:p>
-          <a:p>
-            <a:r>
-              <a:rPr lang="fr-FR" dirty="0"/>
-              <a:t>Principe de la communication de série</a:t>
-            </a:r>
-          </a:p>
-          <a:p>
-            <a:r>
-              <a:rPr lang="fr-FR" dirty="0"/>
-              <a:t>Il existe des bus de communication pour faciliter ce traitement</a:t>
-            </a:r>
-          </a:p>
-          <a:p>
-            <a:pPr lvl="1"/>
-            <a:endParaRPr lang="fr-FR" dirty="0"/>
-          </a:p>
-        </p:txBody>
-      </p:sp>
-    </p:spTree>
-    <p:extLst>
-      <p:ext uri="{BB962C8B-B14F-4D97-AF65-F5344CB8AC3E}">
-        <p14:creationId xmlns:p14="http://schemas.microsoft.com/office/powerpoint/2010/main" val="853419029"/>
-      </p:ext>
-    </p:extLst>
-  </p:cSld>
-  <p:clrMapOvr>
-    <a:masterClrMapping/>
-  </p:clrMapOvr>
-</p:sld>
-</file>
-
 <file path=ppt/slides/slide8.xml><?xml version="1.0" encoding="utf-8"?>
 <p:sld xmlns:a="http://schemas.openxmlformats.org/drawingml/2006/main" xmlns:r="http://schemas.openxmlformats.org/officeDocument/2006/relationships" xmlns:p="http://schemas.openxmlformats.org/presentationml/2006/main">
   <p:cSld>
@@ -6164,7 +6546,13 @@
       </p:grpSpPr>
       <p:sp>
         <p:nvSpPr>
-          <p:cNvPr id="2" name="Titre 1"/>
+          <p:cNvPr id="2" name="Titre 1">
+            <a:extLst>
+              <a:ext uri="{FF2B5EF4-FFF2-40B4-BE49-F238E27FC236}">
+                <a16:creationId xmlns:a16="http://schemas.microsoft.com/office/drawing/2014/main" id="{D8C7B536-1571-9D56-6402-5816F6E60322}"/>
+              </a:ext>
+            </a:extLst>
+          </p:cNvPr>
           <p:cNvSpPr>
             <a:spLocks noGrp="1"/>
           </p:cNvSpPr>
@@ -6179,14 +6567,20 @@
           <a:p>
             <a:r>
               <a:rPr lang="fr-FR" dirty="0"/>
-              <a:t>I/O Analogiques</a:t>
+              <a:t>Kit Grove</a:t>
             </a:r>
           </a:p>
         </p:txBody>
       </p:sp>
       <p:sp>
         <p:nvSpPr>
-          <p:cNvPr id="3" name="Espace réservé du contenu 2"/>
+          <p:cNvPr id="3" name="Espace réservé du contenu 2">
+            <a:extLst>
+              <a:ext uri="{FF2B5EF4-FFF2-40B4-BE49-F238E27FC236}">
+                <a16:creationId xmlns:a16="http://schemas.microsoft.com/office/drawing/2014/main" id="{C59F4F75-F66B-C688-2D0A-7415E6B631D7}"/>
+              </a:ext>
+            </a:extLst>
+          </p:cNvPr>
           <p:cNvSpPr>
             <a:spLocks noGrp="1"/>
           </p:cNvSpPr>
@@ -6199,71 +6593,44 @@
           <a:bodyPr/>
           <a:lstStyle/>
           <a:p>
-            <a:r>
-              <a:rPr lang="fr-FR" dirty="0"/>
-              <a:t>I/O Analogiques et une entrée sortie avec une valeur comprise entre 0V et 5V</a:t>
-            </a:r>
-          </a:p>
-          <a:p>
-            <a:r>
-              <a:rPr lang="fr-FR" dirty="0"/>
-              <a:t>Il faut ensuite convertir cette valeur en un chiffre traitable par programmation</a:t>
-            </a:r>
-          </a:p>
-          <a:p>
-            <a:r>
-              <a:rPr lang="fr-FR" dirty="0"/>
-              <a:t>Exemple d'entrée analogique</a:t>
-            </a:r>
-          </a:p>
-          <a:p>
-            <a:pPr lvl="1"/>
-            <a:r>
-              <a:rPr lang="fr-FR" dirty="0"/>
-              <a:t>Un capteur analogique (température, pression, …)</a:t>
-            </a:r>
-          </a:p>
-          <a:p>
-            <a:pPr lvl="1"/>
-            <a:r>
-              <a:rPr lang="fr-FR" dirty="0"/>
-              <a:t>Un gyroscope</a:t>
-            </a:r>
-          </a:p>
-          <a:p>
-            <a:r>
-              <a:rPr lang="fr-FR" dirty="0"/>
-              <a:t>Exemple de sortie analogique</a:t>
-            </a:r>
-          </a:p>
-          <a:p>
-            <a:pPr lvl="1"/>
-            <a:r>
-              <a:rPr lang="fr-FR" dirty="0"/>
-              <a:t>Une </a:t>
-            </a:r>
-            <a:r>
-              <a:rPr lang="fr-FR" dirty="0" err="1"/>
-              <a:t>Led</a:t>
-            </a:r>
-            <a:r>
-              <a:rPr lang="fr-FR" dirty="0"/>
-              <a:t> en fading</a:t>
-            </a:r>
-          </a:p>
-          <a:p>
-            <a:pPr lvl="1"/>
-            <a:endParaRPr lang="fr-FR" dirty="0"/>
-          </a:p>
-          <a:p>
-            <a:endParaRPr lang="fr-FR" dirty="0"/>
+            <a:endParaRPr lang="fr-FR"/>
           </a:p>
         </p:txBody>
       </p:sp>
+      <p:pic>
+        <p:nvPicPr>
+          <p:cNvPr id="5" name="Image 4">
+            <a:extLst>
+              <a:ext uri="{FF2B5EF4-FFF2-40B4-BE49-F238E27FC236}">
+                <a16:creationId xmlns:a16="http://schemas.microsoft.com/office/drawing/2014/main" id="{443C363A-76E6-F9BF-3325-BEB1D333A1E7}"/>
+              </a:ext>
+            </a:extLst>
+          </p:cNvPr>
+          <p:cNvPicPr>
+            <a:picLocks noChangeAspect="1"/>
+          </p:cNvPicPr>
+          <p:nvPr/>
+        </p:nvPicPr>
+        <p:blipFill>
+          <a:blip r:embed="rId2"/>
+          <a:stretch>
+            <a:fillRect/>
+          </a:stretch>
+        </p:blipFill>
+        <p:spPr>
+          <a:xfrm>
+            <a:off x="1187624" y="1094948"/>
+            <a:ext cx="7308812" cy="5040560"/>
+          </a:xfrm>
+          <a:prstGeom prst="rect">
+            <a:avLst/>
+          </a:prstGeom>
+        </p:spPr>
+      </p:pic>
     </p:spTree>
     <p:extLst>
       <p:ext uri="{BB962C8B-B14F-4D97-AF65-F5344CB8AC3E}">
-        <p14:creationId xmlns:p14="http://schemas.microsoft.com/office/powerpoint/2010/main" val="624572129"/>
+        <p14:creationId xmlns:p14="http://schemas.microsoft.com/office/powerpoint/2010/main" val="3059215520"/>
       </p:ext>
     </p:extLst>
   </p:cSld>
@@ -6307,7 +6674,7 @@
           <a:p>
             <a:r>
               <a:rPr lang="fr-FR" dirty="0"/>
-              <a:t>I/O Numérique</a:t>
+              <a:t>Alimentation</a:t>
             </a:r>
           </a:p>
         </p:txBody>
@@ -6329,71 +6696,95 @@
           <a:p>
             <a:r>
               <a:rPr lang="fr-FR" dirty="0"/>
-              <a:t>Exemple de sortie numérique</a:t>
+              <a:t>L'</a:t>
+            </a:r>
+            <a:r>
+              <a:rPr lang="fr-FR" dirty="0" err="1"/>
+              <a:t>Arduino</a:t>
+            </a:r>
+            <a:r>
+              <a:rPr lang="fr-FR" dirty="0"/>
+              <a:t> peut être alimenté de 5V à 12V</a:t>
             </a:r>
           </a:p>
           <a:p>
             <a:pPr lvl="1"/>
             <a:r>
-              <a:rPr lang="fr-FR" dirty="0"/>
-              <a:t>Une </a:t>
-            </a:r>
-            <a:r>
               <a:rPr lang="fr-FR" dirty="0" err="1"/>
-              <a:t>led</a:t>
-            </a:r>
-            <a:r>
-              <a:rPr lang="fr-FR" dirty="0"/>
-              <a:t> on / off</a:t>
+              <a:t>Pmin</a:t>
+            </a:r>
+            <a:r>
+              <a:rPr lang="fr-FR" dirty="0"/>
+              <a:t> = 0.1W sans </a:t>
+            </a:r>
+            <a:r>
+              <a:rPr lang="fr-FR" dirty="0" err="1"/>
+              <a:t>device</a:t>
+            </a:r>
+            <a:r>
+              <a:rPr lang="fr-FR" dirty="0"/>
+              <a:t>, </a:t>
+            </a:r>
+            <a:r>
+              <a:rPr lang="fr-FR" dirty="0" err="1"/>
+              <a:t>Pmax</a:t>
+            </a:r>
+            <a:r>
+              <a:rPr lang="fr-FR" dirty="0"/>
+              <a:t> = 2.5W</a:t>
+            </a:r>
+          </a:p>
+          <a:p>
+            <a:r>
+              <a:rPr lang="fr-FR" dirty="0"/>
+              <a:t>Alimenté par USB (5.1V) ou par connecteur</a:t>
             </a:r>
           </a:p>
           <a:p>
             <a:pPr lvl="1"/>
             <a:r>
               <a:rPr lang="fr-FR" dirty="0"/>
-              <a:t>Un relais de puissance</a:t>
+              <a:t>Le connecteur l'emporte sur l'USB</a:t>
             </a:r>
           </a:p>
           <a:p>
             <a:pPr lvl="1"/>
             <a:r>
               <a:rPr lang="fr-FR" dirty="0"/>
-              <a:t>Un port série</a:t>
+              <a:t>Pas de fusible !</a:t>
             </a:r>
           </a:p>
           <a:p>
             <a:pPr lvl="1"/>
             <a:r>
               <a:rPr lang="fr-FR" dirty="0"/>
-              <a:t>…</a:t>
-            </a:r>
-          </a:p>
-          <a:p>
-            <a:r>
-              <a:rPr lang="fr-FR" dirty="0"/>
-              <a:t>Exemple d'entrée numérique</a:t>
+              <a:t>Chute de tension maximale : 1V</a:t>
             </a:r>
           </a:p>
           <a:p>
             <a:pPr lvl="1"/>
             <a:r>
               <a:rPr lang="fr-FR" dirty="0"/>
-              <a:t>Un bouton poussoir</a:t>
+              <a:t>Prévoir une tension de 6V</a:t>
             </a:r>
           </a:p>
           <a:p>
             <a:pPr lvl="1"/>
             <a:r>
               <a:rPr lang="fr-FR" dirty="0"/>
-              <a:t>Un capteur numérique</a:t>
-            </a:r>
-          </a:p>
-          <a:p>
-            <a:pPr lvl="1"/>
+              <a:t>Puissance maximale par broche 40mA</a:t>
+            </a:r>
+          </a:p>
+          <a:p>
             <a:endParaRPr lang="fr-FR" dirty="0"/>
           </a:p>
           <a:p>
-            <a:pPr lvl="1"/>
+            <a:endParaRPr lang="fr-FR" dirty="0"/>
+          </a:p>
+          <a:p>
+            <a:endParaRPr lang="fr-FR" dirty="0"/>
+          </a:p>
+          <a:p>
             <a:endParaRPr lang="fr-FR" dirty="0"/>
           </a:p>
         </p:txBody>
@@ -6401,7 +6792,7 @@
     </p:spTree>
     <p:extLst>
       <p:ext uri="{BB962C8B-B14F-4D97-AF65-F5344CB8AC3E}">
-        <p14:creationId xmlns:p14="http://schemas.microsoft.com/office/powerpoint/2010/main" val="2910901563"/>
+        <p14:creationId xmlns:p14="http://schemas.microsoft.com/office/powerpoint/2010/main" val="83916020"/>
       </p:ext>
     </p:extLst>
   </p:cSld>

--- a/ppt/IoT04-ArduinoCabling.pptx
+++ b/ppt/IoT04-ArduinoCabling.pptx
@@ -5,10 +5,10 @@
     <p:sldMasterId id="2147483653" r:id="rId1"/>
   </p:sldMasterIdLst>
   <p:notesMasterIdLst>
-    <p:notesMasterId r:id="rId22"/>
+    <p:notesMasterId r:id="rId21"/>
   </p:notesMasterIdLst>
   <p:handoutMasterIdLst>
-    <p:handoutMasterId r:id="rId23"/>
+    <p:handoutMasterId r:id="rId22"/>
   </p:handoutMasterIdLst>
   <p:sldIdLst>
     <p:sldId id="264" r:id="rId2"/>
@@ -16,21 +16,20 @@
     <p:sldId id="285" r:id="rId4"/>
     <p:sldId id="266" r:id="rId5"/>
     <p:sldId id="267" r:id="rId6"/>
-    <p:sldId id="268" r:id="rId7"/>
-    <p:sldId id="269" r:id="rId8"/>
-    <p:sldId id="286" r:id="rId9"/>
-    <p:sldId id="270" r:id="rId10"/>
-    <p:sldId id="272" r:id="rId11"/>
-    <p:sldId id="271" r:id="rId12"/>
-    <p:sldId id="273" r:id="rId13"/>
-    <p:sldId id="276" r:id="rId14"/>
-    <p:sldId id="277" r:id="rId15"/>
-    <p:sldId id="278" r:id="rId16"/>
-    <p:sldId id="279" r:id="rId17"/>
-    <p:sldId id="280" r:id="rId18"/>
-    <p:sldId id="281" r:id="rId19"/>
-    <p:sldId id="282" r:id="rId20"/>
-    <p:sldId id="283" r:id="rId21"/>
+    <p:sldId id="269" r:id="rId7"/>
+    <p:sldId id="286" r:id="rId8"/>
+    <p:sldId id="270" r:id="rId9"/>
+    <p:sldId id="272" r:id="rId10"/>
+    <p:sldId id="271" r:id="rId11"/>
+    <p:sldId id="273" r:id="rId12"/>
+    <p:sldId id="276" r:id="rId13"/>
+    <p:sldId id="277" r:id="rId14"/>
+    <p:sldId id="278" r:id="rId15"/>
+    <p:sldId id="279" r:id="rId16"/>
+    <p:sldId id="280" r:id="rId17"/>
+    <p:sldId id="281" r:id="rId18"/>
+    <p:sldId id="282" r:id="rId19"/>
+    <p:sldId id="283" r:id="rId20"/>
   </p:sldIdLst>
   <p:sldSz cx="9144000" cy="6858000" type="screen4x3"/>
   <p:notesSz cx="6648450" cy="9782175"/>
@@ -3791,7 +3790,7 @@
           <a:p>
             <a:r>
               <a:rPr lang="fr-FR" dirty="0"/>
-              <a:t>I/O Numérique</a:t>
+              <a:t>I/O Analogiques</a:t>
             </a:r>
           </a:p>
         </p:txBody>
@@ -3813,51 +3812,61 @@
           <a:p>
             <a:r>
               <a:rPr lang="fr-FR" dirty="0"/>
-              <a:t>Reçoit des 0 et des 1</a:t>
+              <a:t>I/O Analogiques et une entrée sortie avec une valeur comprise entre 0V et 5V</a:t>
+            </a:r>
+          </a:p>
+          <a:p>
+            <a:r>
+              <a:rPr lang="fr-FR" dirty="0"/>
+              <a:t>Il faut ensuite convertir cette valeur en un chiffre traitable par programmation</a:t>
+            </a:r>
+          </a:p>
+          <a:p>
+            <a:r>
+              <a:rPr lang="fr-FR" dirty="0"/>
+              <a:t>Exemple d'entrée analogique</a:t>
             </a:r>
           </a:p>
           <a:p>
             <a:pPr lvl="1"/>
             <a:r>
               <a:rPr lang="fr-FR" dirty="0"/>
-              <a:t>0 correspond à 0V</a:t>
+              <a:t>Un capteur analogique (température, pression, …)</a:t>
             </a:r>
           </a:p>
           <a:p>
             <a:pPr lvl="1"/>
             <a:r>
               <a:rPr lang="fr-FR" dirty="0"/>
-              <a:t>1 correspond à 5V</a:t>
-            </a:r>
-          </a:p>
-          <a:p>
-            <a:r>
-              <a:rPr lang="fr-FR" dirty="0"/>
-              <a:t>Les données peuvent être envoyées avec une certaine fréquence (</a:t>
+              <a:t>Un gyroscope</a:t>
+            </a:r>
+          </a:p>
+          <a:p>
+            <a:r>
+              <a:rPr lang="fr-FR" dirty="0"/>
+              <a:t>Exemple de sortie analogique</a:t>
+            </a:r>
+          </a:p>
+          <a:p>
+            <a:pPr lvl="1"/>
+            <a:r>
+              <a:rPr lang="fr-FR" dirty="0"/>
+              <a:t>Une </a:t>
             </a:r>
             <a:r>
               <a:rPr lang="fr-FR" dirty="0" err="1"/>
-              <a:t>baudrate</a:t>
-            </a:r>
-            <a:r>
-              <a:rPr lang="fr-FR" dirty="0"/>
-              <a:t>) pour pouvoir fabriquer des chiffres</a:t>
-            </a:r>
-          </a:p>
-          <a:p>
-            <a:r>
-              <a:rPr lang="fr-FR" dirty="0"/>
-              <a:t>Principe de la communication de série</a:t>
-            </a:r>
-          </a:p>
-          <a:p>
-            <a:r>
-              <a:rPr lang="fr-FR" dirty="0"/>
-              <a:t>Il existe des bus de communication pour faciliter ce traitement</a:t>
+              <a:t>Led</a:t>
+            </a:r>
+            <a:r>
+              <a:rPr lang="fr-FR" dirty="0"/>
+              <a:t> en fading</a:t>
             </a:r>
           </a:p>
           <a:p>
             <a:pPr lvl="1"/>
+            <a:endParaRPr lang="fr-FR" dirty="0"/>
+          </a:p>
+          <a:p>
             <a:endParaRPr lang="fr-FR" dirty="0"/>
           </a:p>
         </p:txBody>
@@ -3865,7 +3874,7 @@
     </p:spTree>
     <p:extLst>
       <p:ext uri="{BB962C8B-B14F-4D97-AF65-F5344CB8AC3E}">
-        <p14:creationId xmlns:p14="http://schemas.microsoft.com/office/powerpoint/2010/main" val="853419029"/>
+        <p14:creationId xmlns:p14="http://schemas.microsoft.com/office/powerpoint/2010/main" val="624572129"/>
       </p:ext>
     </p:extLst>
   </p:cSld>
@@ -3909,7 +3918,7 @@
           <a:p>
             <a:r>
               <a:rPr lang="fr-FR" dirty="0"/>
-              <a:t>I/O Analogiques</a:t>
+              <a:t>I/O Numérique</a:t>
             </a:r>
           </a:p>
         </p:txBody>
@@ -3931,54 +3940,63 @@
           <a:p>
             <a:r>
               <a:rPr lang="fr-FR" dirty="0"/>
-              <a:t>I/O Analogiques et une entrée sortie avec une valeur comprise entre 0V et 5V</a:t>
-            </a:r>
-          </a:p>
-          <a:p>
-            <a:r>
-              <a:rPr lang="fr-FR" dirty="0"/>
-              <a:t>Il faut ensuite convertir cette valeur en un chiffre traitable par programmation</a:t>
-            </a:r>
-          </a:p>
-          <a:p>
-            <a:r>
-              <a:rPr lang="fr-FR" dirty="0"/>
-              <a:t>Exemple d'entrée analogique</a:t>
+              <a:t>Exemple de sortie numérique</a:t>
             </a:r>
           </a:p>
           <a:p>
             <a:pPr lvl="1"/>
             <a:r>
               <a:rPr lang="fr-FR" dirty="0"/>
-              <a:t>Un capteur analogique (température, pression, …)</a:t>
+              <a:t>Une </a:t>
+            </a:r>
+            <a:r>
+              <a:rPr lang="fr-FR" dirty="0" err="1"/>
+              <a:t>led</a:t>
+            </a:r>
+            <a:r>
+              <a:rPr lang="fr-FR" dirty="0"/>
+              <a:t> on / off</a:t>
             </a:r>
           </a:p>
           <a:p>
             <a:pPr lvl="1"/>
             <a:r>
               <a:rPr lang="fr-FR" dirty="0"/>
-              <a:t>Un gyroscope</a:t>
-            </a:r>
-          </a:p>
-          <a:p>
-            <a:r>
-              <a:rPr lang="fr-FR" dirty="0"/>
-              <a:t>Exemple de sortie analogique</a:t>
+              <a:t>Un relais de puissance</a:t>
             </a:r>
           </a:p>
           <a:p>
             <a:pPr lvl="1"/>
             <a:r>
               <a:rPr lang="fr-FR" dirty="0"/>
-              <a:t>Une </a:t>
-            </a:r>
-            <a:r>
-              <a:rPr lang="fr-FR" dirty="0" err="1"/>
-              <a:t>Led</a:t>
-            </a:r>
-            <a:r>
-              <a:rPr lang="fr-FR" dirty="0"/>
-              <a:t> en fading</a:t>
+              <a:t>Un port série</a:t>
+            </a:r>
+          </a:p>
+          <a:p>
+            <a:pPr lvl="1"/>
+            <a:r>
+              <a:rPr lang="fr-FR" dirty="0"/>
+              <a:t>…</a:t>
+            </a:r>
+          </a:p>
+          <a:p>
+            <a:r>
+              <a:rPr lang="fr-FR" dirty="0"/>
+              <a:t>Exemple d'entrée numérique</a:t>
+            </a:r>
+          </a:p>
+          <a:p>
+            <a:pPr lvl="1"/>
+            <a:r>
+              <a:rPr lang="fr-FR" dirty="0"/>
+              <a:t>Un bouton poussoir</a:t>
+            </a:r>
+          </a:p>
+          <a:p>
+            <a:pPr lvl="1"/>
+            <a:r>
+              <a:rPr lang="fr-FR" dirty="0"/>
+              <a:t>Un capteur numérique</a:t>
             </a:r>
           </a:p>
           <a:p>
@@ -3986,6 +4004,7 @@
             <a:endParaRPr lang="fr-FR" dirty="0"/>
           </a:p>
           <a:p>
+            <a:pPr lvl="1"/>
             <a:endParaRPr lang="fr-FR" dirty="0"/>
           </a:p>
         </p:txBody>
@@ -3993,7 +4012,7 @@
     </p:spTree>
     <p:extLst>
       <p:ext uri="{BB962C8B-B14F-4D97-AF65-F5344CB8AC3E}">
-        <p14:creationId xmlns:p14="http://schemas.microsoft.com/office/powerpoint/2010/main" val="624572129"/>
+        <p14:creationId xmlns:p14="http://schemas.microsoft.com/office/powerpoint/2010/main" val="2910901563"/>
       </p:ext>
     </p:extLst>
   </p:cSld>
@@ -4037,7 +4056,7 @@
           <a:p>
             <a:r>
               <a:rPr lang="fr-FR" dirty="0"/>
-              <a:t>I/O Numérique</a:t>
+              <a:t>Données numériques en série</a:t>
             </a:r>
           </a:p>
         </p:txBody>
@@ -4059,144 +4078,6 @@
           <a:p>
             <a:r>
               <a:rPr lang="fr-FR" dirty="0"/>
-              <a:t>Exemple de sortie numérique</a:t>
-            </a:r>
-          </a:p>
-          <a:p>
-            <a:pPr lvl="1"/>
-            <a:r>
-              <a:rPr lang="fr-FR" dirty="0"/>
-              <a:t>Une </a:t>
-            </a:r>
-            <a:r>
-              <a:rPr lang="fr-FR" dirty="0" err="1"/>
-              <a:t>led</a:t>
-            </a:r>
-            <a:r>
-              <a:rPr lang="fr-FR" dirty="0"/>
-              <a:t> on / off</a:t>
-            </a:r>
-          </a:p>
-          <a:p>
-            <a:pPr lvl="1"/>
-            <a:r>
-              <a:rPr lang="fr-FR" dirty="0"/>
-              <a:t>Un relais de puissance</a:t>
-            </a:r>
-          </a:p>
-          <a:p>
-            <a:pPr lvl="1"/>
-            <a:r>
-              <a:rPr lang="fr-FR" dirty="0"/>
-              <a:t>Un port série</a:t>
-            </a:r>
-          </a:p>
-          <a:p>
-            <a:pPr lvl="1"/>
-            <a:r>
-              <a:rPr lang="fr-FR" dirty="0"/>
-              <a:t>…</a:t>
-            </a:r>
-          </a:p>
-          <a:p>
-            <a:r>
-              <a:rPr lang="fr-FR" dirty="0"/>
-              <a:t>Exemple d'entrée numérique</a:t>
-            </a:r>
-          </a:p>
-          <a:p>
-            <a:pPr lvl="1"/>
-            <a:r>
-              <a:rPr lang="fr-FR" dirty="0"/>
-              <a:t>Un bouton poussoir</a:t>
-            </a:r>
-          </a:p>
-          <a:p>
-            <a:pPr lvl="1"/>
-            <a:r>
-              <a:rPr lang="fr-FR" dirty="0"/>
-              <a:t>Un capteur numérique</a:t>
-            </a:r>
-          </a:p>
-          <a:p>
-            <a:pPr lvl="1"/>
-            <a:endParaRPr lang="fr-FR" dirty="0"/>
-          </a:p>
-          <a:p>
-            <a:pPr lvl="1"/>
-            <a:endParaRPr lang="fr-FR" dirty="0"/>
-          </a:p>
-        </p:txBody>
-      </p:sp>
-    </p:spTree>
-    <p:extLst>
-      <p:ext uri="{BB962C8B-B14F-4D97-AF65-F5344CB8AC3E}">
-        <p14:creationId xmlns:p14="http://schemas.microsoft.com/office/powerpoint/2010/main" val="2910901563"/>
-      </p:ext>
-    </p:extLst>
-  </p:cSld>
-  <p:clrMapOvr>
-    <a:masterClrMapping/>
-  </p:clrMapOvr>
-</p:sld>
-</file>
-
-<file path=ppt/slides/slide13.xml><?xml version="1.0" encoding="utf-8"?>
-<p:sld xmlns:a="http://schemas.openxmlformats.org/drawingml/2006/main" xmlns:r="http://schemas.openxmlformats.org/officeDocument/2006/relationships" xmlns:p="http://schemas.openxmlformats.org/presentationml/2006/main">
-  <p:cSld>
-    <p:spTree>
-      <p:nvGrpSpPr>
-        <p:cNvPr id="1" name=""/>
-        <p:cNvGrpSpPr/>
-        <p:nvPr/>
-      </p:nvGrpSpPr>
-      <p:grpSpPr>
-        <a:xfrm>
-          <a:off x="0" y="0"/>
-          <a:ext cx="0" cy="0"/>
-          <a:chOff x="0" y="0"/>
-          <a:chExt cx="0" cy="0"/>
-        </a:xfrm>
-      </p:grpSpPr>
-      <p:sp>
-        <p:nvSpPr>
-          <p:cNvPr id="2" name="Titre 1"/>
-          <p:cNvSpPr>
-            <a:spLocks noGrp="1"/>
-          </p:cNvSpPr>
-          <p:nvPr>
-            <p:ph type="title"/>
-          </p:nvPr>
-        </p:nvSpPr>
-        <p:spPr/>
-        <p:txBody>
-          <a:bodyPr/>
-          <a:lstStyle/>
-          <a:p>
-            <a:r>
-              <a:rPr lang="fr-FR" dirty="0"/>
-              <a:t>Données numériques en série</a:t>
-            </a:r>
-          </a:p>
-        </p:txBody>
-      </p:sp>
-      <p:sp>
-        <p:nvSpPr>
-          <p:cNvPr id="3" name="Espace réservé du contenu 2"/>
-          <p:cNvSpPr>
-            <a:spLocks noGrp="1"/>
-          </p:cNvSpPr>
-          <p:nvPr>
-            <p:ph idx="1"/>
-          </p:nvPr>
-        </p:nvSpPr>
-        <p:spPr/>
-        <p:txBody>
-          <a:bodyPr/>
-          <a:lstStyle/>
-          <a:p>
-            <a:r>
-              <a:rPr lang="fr-FR" dirty="0"/>
               <a:t>Les I/O numériques nécessitent l'échange de données en série</a:t>
             </a:r>
           </a:p>
@@ -4241,7 +4122,7 @@
 </p:sld>
 </file>
 
-<file path=ppt/slides/slide14.xml><?xml version="1.0" encoding="utf-8"?>
+<file path=ppt/slides/slide13.xml><?xml version="1.0" encoding="utf-8"?>
 <p:sld xmlns:a="http://schemas.openxmlformats.org/drawingml/2006/main" xmlns:r="http://schemas.openxmlformats.org/officeDocument/2006/relationships" xmlns:p="http://schemas.openxmlformats.org/presentationml/2006/main">
   <p:cSld>
     <p:spTree>
@@ -4417,7 +4298,7 @@
 </p:sld>
 </file>
 
-<file path=ppt/slides/slide15.xml><?xml version="1.0" encoding="utf-8"?>
+<file path=ppt/slides/slide14.xml><?xml version="1.0" encoding="utf-8"?>
 <p:sld xmlns:a="http://schemas.openxmlformats.org/drawingml/2006/main" xmlns:r="http://schemas.openxmlformats.org/officeDocument/2006/relationships" xmlns:p="http://schemas.openxmlformats.org/presentationml/2006/main">
   <p:cSld>
     <p:spTree>
@@ -4567,7 +4448,7 @@
 </p:sld>
 </file>
 
-<file path=ppt/slides/slide16.xml><?xml version="1.0" encoding="utf-8"?>
+<file path=ppt/slides/slide15.xml><?xml version="1.0" encoding="utf-8"?>
 <p:sld xmlns:a="http://schemas.openxmlformats.org/drawingml/2006/main" xmlns:r="http://schemas.openxmlformats.org/officeDocument/2006/relationships" xmlns:p="http://schemas.openxmlformats.org/presentationml/2006/main">
   <p:cSld>
     <p:spTree>
@@ -4942,7 +4823,7 @@
 </p:sld>
 </file>
 
-<file path=ppt/slides/slide17.xml><?xml version="1.0" encoding="utf-8"?>
+<file path=ppt/slides/slide16.xml><?xml version="1.0" encoding="utf-8"?>
 <p:sld xmlns:a="http://schemas.openxmlformats.org/drawingml/2006/main" xmlns:r="http://schemas.openxmlformats.org/officeDocument/2006/relationships" xmlns:p="http://schemas.openxmlformats.org/presentationml/2006/main">
   <p:cSld>
     <p:spTree>
@@ -5108,7 +4989,7 @@
 </p:sld>
 </file>
 
-<file path=ppt/slides/slide18.xml><?xml version="1.0" encoding="utf-8"?>
+<file path=ppt/slides/slide17.xml><?xml version="1.0" encoding="utf-8"?>
 <p:sld xmlns:a="http://schemas.openxmlformats.org/drawingml/2006/main" xmlns:r="http://schemas.openxmlformats.org/officeDocument/2006/relationships" xmlns:p="http://schemas.openxmlformats.org/presentationml/2006/main">
   <p:cSld>
     <p:spTree>
@@ -5249,7 +5130,7 @@
 </p:sld>
 </file>
 
-<file path=ppt/slides/slide19.xml><?xml version="1.0" encoding="utf-8"?>
+<file path=ppt/slides/slide18.xml><?xml version="1.0" encoding="utf-8"?>
 <p:sld xmlns:a="http://schemas.openxmlformats.org/drawingml/2006/main" xmlns:r="http://schemas.openxmlformats.org/officeDocument/2006/relationships" xmlns:p="http://schemas.openxmlformats.org/presentationml/2006/main">
   <p:cSld>
     <p:spTree>
@@ -5333,6 +5214,18 @@
               <a:rPr lang="fr-FR" dirty="0"/>
               <a:t> le signal est forcé à 0v en cas de circuit ouvert</a:t>
             </a:r>
+          </a:p>
+          <a:p>
+            <a:pPr lvl="1"/>
+            <a:r>
+              <a:rPr lang="fr-FR" dirty="0"/>
+              <a:t>L'entrée numérique de l'Arduino </a:t>
+            </a:r>
+            <a:r>
+              <a:rPr lang="fr-FR"/>
+              <a:t>étant connecté à la masse</a:t>
+            </a:r>
+            <a:endParaRPr lang="fr-FR" dirty="0"/>
           </a:p>
           <a:p>
             <a:r>
@@ -5439,146 +5332,7 @@
 </p:sld>
 </file>
 
-<file path=ppt/slides/slide2.xml><?xml version="1.0" encoding="utf-8"?>
-<p:sld xmlns:a="http://schemas.openxmlformats.org/drawingml/2006/main" xmlns:r="http://schemas.openxmlformats.org/officeDocument/2006/relationships" xmlns:p="http://schemas.openxmlformats.org/presentationml/2006/main">
-  <p:cSld>
-    <p:spTree>
-      <p:nvGrpSpPr>
-        <p:cNvPr id="1" name=""/>
-        <p:cNvGrpSpPr/>
-        <p:nvPr/>
-      </p:nvGrpSpPr>
-      <p:grpSpPr>
-        <a:xfrm>
-          <a:off x="0" y="0"/>
-          <a:ext cx="0" cy="0"/>
-          <a:chOff x="0" y="0"/>
-          <a:chExt cx="0" cy="0"/>
-        </a:xfrm>
-      </p:grpSpPr>
-      <p:sp>
-        <p:nvSpPr>
-          <p:cNvPr id="2" name="Titre 1">
-            <a:extLst>
-              <a:ext uri="{FF2B5EF4-FFF2-40B4-BE49-F238E27FC236}">
-                <a16:creationId xmlns:a16="http://schemas.microsoft.com/office/drawing/2014/main" id="{80945D59-366A-FF51-726E-206581DEFEAA}"/>
-              </a:ext>
-            </a:extLst>
-          </p:cNvPr>
-          <p:cNvSpPr>
-            <a:spLocks noGrp="1"/>
-          </p:cNvSpPr>
-          <p:nvPr>
-            <p:ph type="title"/>
-          </p:nvPr>
-        </p:nvSpPr>
-        <p:spPr/>
-        <p:txBody>
-          <a:bodyPr/>
-          <a:lstStyle/>
-          <a:p>
-            <a:r>
-              <a:rPr lang="fr-FR" dirty="0"/>
-              <a:t>TTL</a:t>
-            </a:r>
-          </a:p>
-        </p:txBody>
-      </p:sp>
-      <p:sp>
-        <p:nvSpPr>
-          <p:cNvPr id="3" name="Espace réservé du contenu 2">
-            <a:extLst>
-              <a:ext uri="{FF2B5EF4-FFF2-40B4-BE49-F238E27FC236}">
-                <a16:creationId xmlns:a16="http://schemas.microsoft.com/office/drawing/2014/main" id="{B18D8693-35D5-4C76-EB01-D6B9260DC726}"/>
-              </a:ext>
-            </a:extLst>
-          </p:cNvPr>
-          <p:cNvSpPr>
-            <a:spLocks noGrp="1"/>
-          </p:cNvSpPr>
-          <p:nvPr>
-            <p:ph idx="1"/>
-          </p:nvPr>
-        </p:nvSpPr>
-        <p:spPr>
-          <a:xfrm>
-            <a:off x="179513" y="1412776"/>
-            <a:ext cx="5832648" cy="5040560"/>
-          </a:xfrm>
-        </p:spPr>
-        <p:txBody>
-          <a:bodyPr/>
-          <a:lstStyle/>
-          <a:p>
-            <a:r>
-              <a:rPr lang="fr-FR" dirty="0"/>
-              <a:t>Transistor – Transistor Logic</a:t>
-            </a:r>
-          </a:p>
-          <a:p>
-            <a:r>
-              <a:rPr lang="fr-FR" dirty="0"/>
-              <a:t>Les circuits TTL sont des transistors dont le niveau bas est à 0v et le niveau haut à 5V</a:t>
-            </a:r>
-          </a:p>
-          <a:p>
-            <a:r>
-              <a:rPr lang="fr-FR" dirty="0"/>
-              <a:t>L'Arduino est donc compatible TTL</a:t>
-            </a:r>
-          </a:p>
-          <a:p>
-            <a:endParaRPr lang="fr-FR" dirty="0"/>
-          </a:p>
-          <a:p>
-            <a:endParaRPr lang="fr-FR" dirty="0"/>
-          </a:p>
-        </p:txBody>
-      </p:sp>
-      <p:pic>
-        <p:nvPicPr>
-          <p:cNvPr id="5" name="Image 4">
-            <a:extLst>
-              <a:ext uri="{FF2B5EF4-FFF2-40B4-BE49-F238E27FC236}">
-                <a16:creationId xmlns:a16="http://schemas.microsoft.com/office/drawing/2014/main" id="{230E5B7B-152C-6C38-A4C3-2982A4D06CFD}"/>
-              </a:ext>
-            </a:extLst>
-          </p:cNvPr>
-          <p:cNvPicPr>
-            <a:picLocks noChangeAspect="1"/>
-          </p:cNvPicPr>
-          <p:nvPr/>
-        </p:nvPicPr>
-        <p:blipFill>
-          <a:blip r:embed="rId2"/>
-          <a:stretch>
-            <a:fillRect/>
-          </a:stretch>
-        </p:blipFill>
-        <p:spPr>
-          <a:xfrm>
-            <a:off x="6551210" y="2666054"/>
-            <a:ext cx="2495898" cy="1267002"/>
-          </a:xfrm>
-          <a:prstGeom prst="rect">
-            <a:avLst/>
-          </a:prstGeom>
-        </p:spPr>
-      </p:pic>
-    </p:spTree>
-    <p:extLst>
-      <p:ext uri="{BB962C8B-B14F-4D97-AF65-F5344CB8AC3E}">
-        <p14:creationId xmlns:p14="http://schemas.microsoft.com/office/powerpoint/2010/main" val="1948905275"/>
-      </p:ext>
-    </p:extLst>
-  </p:cSld>
-  <p:clrMapOvr>
-    <a:masterClrMapping/>
-  </p:clrMapOvr>
-</p:sld>
-</file>
-
-<file path=ppt/slides/slide20.xml><?xml version="1.0" encoding="utf-8"?>
+<file path=ppt/slides/slide19.xml><?xml version="1.0" encoding="utf-8"?>
 <p:sld xmlns:a="http://schemas.openxmlformats.org/drawingml/2006/main" xmlns:r="http://schemas.openxmlformats.org/officeDocument/2006/relationships" xmlns:p="http://schemas.openxmlformats.org/presentationml/2006/main">
   <p:cSld>
     <p:spTree>
@@ -5744,6 +5498,145 @@
 </p:sld>
 </file>
 
+<file path=ppt/slides/slide2.xml><?xml version="1.0" encoding="utf-8"?>
+<p:sld xmlns:a="http://schemas.openxmlformats.org/drawingml/2006/main" xmlns:r="http://schemas.openxmlformats.org/officeDocument/2006/relationships" xmlns:p="http://schemas.openxmlformats.org/presentationml/2006/main">
+  <p:cSld>
+    <p:spTree>
+      <p:nvGrpSpPr>
+        <p:cNvPr id="1" name=""/>
+        <p:cNvGrpSpPr/>
+        <p:nvPr/>
+      </p:nvGrpSpPr>
+      <p:grpSpPr>
+        <a:xfrm>
+          <a:off x="0" y="0"/>
+          <a:ext cx="0" cy="0"/>
+          <a:chOff x="0" y="0"/>
+          <a:chExt cx="0" cy="0"/>
+        </a:xfrm>
+      </p:grpSpPr>
+      <p:sp>
+        <p:nvSpPr>
+          <p:cNvPr id="2" name="Titre 1">
+            <a:extLst>
+              <a:ext uri="{FF2B5EF4-FFF2-40B4-BE49-F238E27FC236}">
+                <a16:creationId xmlns:a16="http://schemas.microsoft.com/office/drawing/2014/main" id="{80945D59-366A-FF51-726E-206581DEFEAA}"/>
+              </a:ext>
+            </a:extLst>
+          </p:cNvPr>
+          <p:cNvSpPr>
+            <a:spLocks noGrp="1"/>
+          </p:cNvSpPr>
+          <p:nvPr>
+            <p:ph type="title"/>
+          </p:nvPr>
+        </p:nvSpPr>
+        <p:spPr/>
+        <p:txBody>
+          <a:bodyPr/>
+          <a:lstStyle/>
+          <a:p>
+            <a:r>
+              <a:rPr lang="fr-FR" dirty="0"/>
+              <a:t>TTL</a:t>
+            </a:r>
+          </a:p>
+        </p:txBody>
+      </p:sp>
+      <p:sp>
+        <p:nvSpPr>
+          <p:cNvPr id="3" name="Espace réservé du contenu 2">
+            <a:extLst>
+              <a:ext uri="{FF2B5EF4-FFF2-40B4-BE49-F238E27FC236}">
+                <a16:creationId xmlns:a16="http://schemas.microsoft.com/office/drawing/2014/main" id="{B18D8693-35D5-4C76-EB01-D6B9260DC726}"/>
+              </a:ext>
+            </a:extLst>
+          </p:cNvPr>
+          <p:cNvSpPr>
+            <a:spLocks noGrp="1"/>
+          </p:cNvSpPr>
+          <p:nvPr>
+            <p:ph idx="1"/>
+          </p:nvPr>
+        </p:nvSpPr>
+        <p:spPr>
+          <a:xfrm>
+            <a:off x="179513" y="1412776"/>
+            <a:ext cx="5832648" cy="5040560"/>
+          </a:xfrm>
+        </p:spPr>
+        <p:txBody>
+          <a:bodyPr/>
+          <a:lstStyle/>
+          <a:p>
+            <a:r>
+              <a:rPr lang="fr-FR" dirty="0"/>
+              <a:t>Transistor – Transistor Logic</a:t>
+            </a:r>
+          </a:p>
+          <a:p>
+            <a:r>
+              <a:rPr lang="fr-FR" dirty="0"/>
+              <a:t>Les circuits TTL sont des transistors dont le niveau bas est à 0v et le niveau haut à 5V</a:t>
+            </a:r>
+          </a:p>
+          <a:p>
+            <a:r>
+              <a:rPr lang="fr-FR" dirty="0"/>
+              <a:t>L'Arduino est donc compatible TTL</a:t>
+            </a:r>
+          </a:p>
+          <a:p>
+            <a:endParaRPr lang="fr-FR" dirty="0"/>
+          </a:p>
+          <a:p>
+            <a:endParaRPr lang="fr-FR" dirty="0"/>
+          </a:p>
+        </p:txBody>
+      </p:sp>
+      <p:pic>
+        <p:nvPicPr>
+          <p:cNvPr id="5" name="Image 4">
+            <a:extLst>
+              <a:ext uri="{FF2B5EF4-FFF2-40B4-BE49-F238E27FC236}">
+                <a16:creationId xmlns:a16="http://schemas.microsoft.com/office/drawing/2014/main" id="{230E5B7B-152C-6C38-A4C3-2982A4D06CFD}"/>
+              </a:ext>
+            </a:extLst>
+          </p:cNvPr>
+          <p:cNvPicPr>
+            <a:picLocks noChangeAspect="1"/>
+          </p:cNvPicPr>
+          <p:nvPr/>
+        </p:nvPicPr>
+        <p:blipFill>
+          <a:blip r:embed="rId2"/>
+          <a:stretch>
+            <a:fillRect/>
+          </a:stretch>
+        </p:blipFill>
+        <p:spPr>
+          <a:xfrm>
+            <a:off x="6551210" y="2666054"/>
+            <a:ext cx="2495898" cy="1267002"/>
+          </a:xfrm>
+          <a:prstGeom prst="rect">
+            <a:avLst/>
+          </a:prstGeom>
+        </p:spPr>
+      </p:pic>
+    </p:spTree>
+    <p:extLst>
+      <p:ext uri="{BB962C8B-B14F-4D97-AF65-F5344CB8AC3E}">
+        <p14:creationId xmlns:p14="http://schemas.microsoft.com/office/powerpoint/2010/main" val="1948905275"/>
+      </p:ext>
+    </p:extLst>
+  </p:cSld>
+  <p:clrMapOvr>
+    <a:masterClrMapping/>
+  </p:clrMapOvr>
+</p:sld>
+</file>
+
 <file path=ppt/slides/slide3.xml><?xml version="1.0" encoding="utf-8"?>
 <p:sld xmlns:a="http://schemas.openxmlformats.org/drawingml/2006/main" xmlns:r="http://schemas.openxmlformats.org/officeDocument/2006/relationships" xmlns:p="http://schemas.openxmlformats.org/presentationml/2006/main">
   <p:cSld>
@@ -6058,22 +5951,14 @@
             <a:pPr lvl="1"/>
             <a:r>
               <a:rPr lang="fr-FR" dirty="0"/>
-              <a:t>Si vous branchez une </a:t>
-            </a:r>
-            <a:r>
-              <a:rPr lang="fr-FR"/>
-              <a:t>LED sur </a:t>
-            </a:r>
-            <a:r>
-              <a:rPr lang="fr-FR" dirty="0"/>
-              <a:t>le 5V elle brule </a:t>
+              <a:t>Si vous branchez une LED sur le 5V elle brule </a:t>
             </a:r>
           </a:p>
           <a:p>
             <a:pPr lvl="1"/>
             <a:r>
               <a:rPr lang="fr-FR" dirty="0"/>
-              <a:t>Il faut donc une résistance</a:t>
+              <a:t>Il faut donc une résistance (5% d'erreur)</a:t>
             </a:r>
           </a:p>
           <a:p>
@@ -6091,7 +5976,7 @@
             </a:r>
             <a:r>
               <a:rPr lang="fr-FR" dirty="0"/>
-              <a:t> = 2.2v +/- 0.1v; I = 20mA)</a:t>
+              <a:t> = 2v +/- 0.2v; I = 20mA)</a:t>
             </a:r>
           </a:p>
           <a:p>
@@ -6162,14 +6047,22 @@
             <a:pPr lvl="1"/>
             <a:r>
               <a:rPr lang="fr-FR" dirty="0"/>
-              <a:t>R = (5 - 2.2) / 0.02</a:t>
+              <a:t>R = (5 - 2) / 0.02</a:t>
             </a:r>
           </a:p>
           <a:p>
             <a:pPr lvl="1"/>
             <a:r>
               <a:rPr lang="fr-FR" dirty="0"/>
-              <a:t>R = 140 Ohm +/- 5 Ohm</a:t>
+              <a:t>R = 150 Ohm </a:t>
+            </a:r>
+            <a:r>
+              <a:rPr lang="fr-FR"/>
+              <a:t>+/- 15 </a:t>
+            </a:r>
+            <a:r>
+              <a:rPr lang="fr-FR" dirty="0"/>
+              <a:t>Ohm +/- 5%</a:t>
             </a:r>
           </a:p>
         </p:txBody>
@@ -6229,93 +6122,6 @@
 </file>
 
 <file path=ppt/slides/slide6.xml><?xml version="1.0" encoding="utf-8"?>
-<p:sld xmlns:a="http://schemas.openxmlformats.org/drawingml/2006/main" xmlns:r="http://schemas.openxmlformats.org/officeDocument/2006/relationships" xmlns:p="http://schemas.openxmlformats.org/presentationml/2006/main">
-  <p:cSld>
-    <p:spTree>
-      <p:nvGrpSpPr>
-        <p:cNvPr id="1" name=""/>
-        <p:cNvGrpSpPr/>
-        <p:nvPr/>
-      </p:nvGrpSpPr>
-      <p:grpSpPr>
-        <a:xfrm>
-          <a:off x="0" y="0"/>
-          <a:ext cx="0" cy="0"/>
-          <a:chOff x="0" y="0"/>
-          <a:chExt cx="0" cy="0"/>
-        </a:xfrm>
-      </p:grpSpPr>
-      <p:sp>
-        <p:nvSpPr>
-          <p:cNvPr id="2" name="Titre 1"/>
-          <p:cNvSpPr>
-            <a:spLocks noGrp="1"/>
-          </p:cNvSpPr>
-          <p:nvPr>
-            <p:ph type="title"/>
-          </p:nvPr>
-        </p:nvSpPr>
-        <p:spPr/>
-        <p:txBody>
-          <a:bodyPr/>
-          <a:lstStyle/>
-          <a:p>
-            <a:r>
-              <a:rPr lang="fr-FR" dirty="0"/>
-              <a:t>Tableau des </a:t>
-            </a:r>
-            <a:r>
-              <a:rPr lang="fr-FR" dirty="0" err="1"/>
-              <a:t>Leds</a:t>
-            </a:r>
-            <a:endParaRPr lang="fr-FR" dirty="0"/>
-          </a:p>
-        </p:txBody>
-      </p:sp>
-      <p:pic>
-        <p:nvPicPr>
-          <p:cNvPr id="5" name="Image 4">
-            <a:extLst>
-              <a:ext uri="{FF2B5EF4-FFF2-40B4-BE49-F238E27FC236}">
-                <a16:creationId xmlns:a16="http://schemas.microsoft.com/office/drawing/2014/main" id="{D2D9523D-8ACC-E606-B2EF-26E5704D9D21}"/>
-              </a:ext>
-            </a:extLst>
-          </p:cNvPr>
-          <p:cNvPicPr>
-            <a:picLocks noChangeAspect="1"/>
-          </p:cNvPicPr>
-          <p:nvPr/>
-        </p:nvPicPr>
-        <p:blipFill>
-          <a:blip r:embed="rId2"/>
-          <a:stretch>
-            <a:fillRect/>
-          </a:stretch>
-        </p:blipFill>
-        <p:spPr>
-          <a:xfrm>
-            <a:off x="1437837" y="1218891"/>
-            <a:ext cx="6268325" cy="4420217"/>
-          </a:xfrm>
-          <a:prstGeom prst="rect">
-            <a:avLst/>
-          </a:prstGeom>
-        </p:spPr>
-      </p:pic>
-    </p:spTree>
-    <p:extLst>
-      <p:ext uri="{BB962C8B-B14F-4D97-AF65-F5344CB8AC3E}">
-        <p14:creationId xmlns:p14="http://schemas.microsoft.com/office/powerpoint/2010/main" val="3425141002"/>
-      </p:ext>
-    </p:extLst>
-  </p:cSld>
-  <p:clrMapOvr>
-    <a:masterClrMapping/>
-  </p:clrMapOvr>
-</p:sld>
-</file>
-
-<file path=ppt/slides/slide7.xml><?xml version="1.0" encoding="utf-8"?>
 <p:sld xmlns:a="http://schemas.openxmlformats.org/drawingml/2006/main" xmlns:r="http://schemas.openxmlformats.org/officeDocument/2006/relationships" xmlns:p="http://schemas.openxmlformats.org/presentationml/2006/main">
   <p:cSld>
     <p:spTree>
@@ -6527,7 +6333,7 @@
 </p:sld>
 </file>
 
-<file path=ppt/slides/slide8.xml><?xml version="1.0" encoding="utf-8"?>
+<file path=ppt/slides/slide7.xml><?xml version="1.0" encoding="utf-8"?>
 <p:sld xmlns:a="http://schemas.openxmlformats.org/drawingml/2006/main" xmlns:r="http://schemas.openxmlformats.org/officeDocument/2006/relationships" xmlns:p="http://schemas.openxmlformats.org/presentationml/2006/main">
   <p:cSld>
     <p:spTree>
@@ -6640,6 +6446,168 @@
 </p:sld>
 </file>
 
+<file path=ppt/slides/slide8.xml><?xml version="1.0" encoding="utf-8"?>
+<p:sld xmlns:a="http://schemas.openxmlformats.org/drawingml/2006/main" xmlns:r="http://schemas.openxmlformats.org/officeDocument/2006/relationships" xmlns:p="http://schemas.openxmlformats.org/presentationml/2006/main">
+  <p:cSld>
+    <p:spTree>
+      <p:nvGrpSpPr>
+        <p:cNvPr id="1" name=""/>
+        <p:cNvGrpSpPr/>
+        <p:nvPr/>
+      </p:nvGrpSpPr>
+      <p:grpSpPr>
+        <a:xfrm>
+          <a:off x="0" y="0"/>
+          <a:ext cx="0" cy="0"/>
+          <a:chOff x="0" y="0"/>
+          <a:chExt cx="0" cy="0"/>
+        </a:xfrm>
+      </p:grpSpPr>
+      <p:sp>
+        <p:nvSpPr>
+          <p:cNvPr id="2" name="Titre 1"/>
+          <p:cNvSpPr>
+            <a:spLocks noGrp="1"/>
+          </p:cNvSpPr>
+          <p:nvPr>
+            <p:ph type="title"/>
+          </p:nvPr>
+        </p:nvSpPr>
+        <p:spPr/>
+        <p:txBody>
+          <a:bodyPr/>
+          <a:lstStyle/>
+          <a:p>
+            <a:r>
+              <a:rPr lang="fr-FR" dirty="0"/>
+              <a:t>Alimentation</a:t>
+            </a:r>
+          </a:p>
+        </p:txBody>
+      </p:sp>
+      <p:sp>
+        <p:nvSpPr>
+          <p:cNvPr id="3" name="Espace réservé du contenu 2"/>
+          <p:cNvSpPr>
+            <a:spLocks noGrp="1"/>
+          </p:cNvSpPr>
+          <p:nvPr>
+            <p:ph idx="1"/>
+          </p:nvPr>
+        </p:nvSpPr>
+        <p:spPr/>
+        <p:txBody>
+          <a:bodyPr/>
+          <a:lstStyle/>
+          <a:p>
+            <a:r>
+              <a:rPr lang="fr-FR" dirty="0"/>
+              <a:t>L'</a:t>
+            </a:r>
+            <a:r>
+              <a:rPr lang="fr-FR" dirty="0" err="1"/>
+              <a:t>Arduino</a:t>
+            </a:r>
+            <a:r>
+              <a:rPr lang="fr-FR" dirty="0"/>
+              <a:t> peut être alimenté de 5V à 12V</a:t>
+            </a:r>
+          </a:p>
+          <a:p>
+            <a:pPr lvl="1"/>
+            <a:r>
+              <a:rPr lang="fr-FR" dirty="0" err="1"/>
+              <a:t>Pmin</a:t>
+            </a:r>
+            <a:r>
+              <a:rPr lang="fr-FR" dirty="0"/>
+              <a:t> = 0.1W sans </a:t>
+            </a:r>
+            <a:r>
+              <a:rPr lang="fr-FR" dirty="0" err="1"/>
+              <a:t>device</a:t>
+            </a:r>
+            <a:r>
+              <a:rPr lang="fr-FR" dirty="0"/>
+              <a:t>, </a:t>
+            </a:r>
+            <a:r>
+              <a:rPr lang="fr-FR" dirty="0" err="1"/>
+              <a:t>Pmax</a:t>
+            </a:r>
+            <a:r>
+              <a:rPr lang="fr-FR" dirty="0"/>
+              <a:t> = 2.5W</a:t>
+            </a:r>
+          </a:p>
+          <a:p>
+            <a:r>
+              <a:rPr lang="fr-FR" dirty="0"/>
+              <a:t>Alimenté par USB (5.1V) ou par connecteur</a:t>
+            </a:r>
+          </a:p>
+          <a:p>
+            <a:pPr lvl="1"/>
+            <a:r>
+              <a:rPr lang="fr-FR" dirty="0"/>
+              <a:t>Le connecteur l'emporte sur l'USB</a:t>
+            </a:r>
+          </a:p>
+          <a:p>
+            <a:pPr lvl="1"/>
+            <a:r>
+              <a:rPr lang="fr-FR" dirty="0"/>
+              <a:t>Pas de fusible !</a:t>
+            </a:r>
+          </a:p>
+          <a:p>
+            <a:pPr lvl="1"/>
+            <a:r>
+              <a:rPr lang="fr-FR" dirty="0"/>
+              <a:t>Chute de tension maximale : 1V</a:t>
+            </a:r>
+          </a:p>
+          <a:p>
+            <a:pPr lvl="1"/>
+            <a:r>
+              <a:rPr lang="fr-FR" dirty="0"/>
+              <a:t>Prévoir une tension de 6V</a:t>
+            </a:r>
+          </a:p>
+          <a:p>
+            <a:pPr lvl="1"/>
+            <a:r>
+              <a:rPr lang="fr-FR" dirty="0"/>
+              <a:t>Puissance maximale par broche 40mA</a:t>
+            </a:r>
+          </a:p>
+          <a:p>
+            <a:endParaRPr lang="fr-FR" dirty="0"/>
+          </a:p>
+          <a:p>
+            <a:endParaRPr lang="fr-FR" dirty="0"/>
+          </a:p>
+          <a:p>
+            <a:endParaRPr lang="fr-FR" dirty="0"/>
+          </a:p>
+          <a:p>
+            <a:endParaRPr lang="fr-FR" dirty="0"/>
+          </a:p>
+        </p:txBody>
+      </p:sp>
+    </p:spTree>
+    <p:extLst>
+      <p:ext uri="{BB962C8B-B14F-4D97-AF65-F5344CB8AC3E}">
+        <p14:creationId xmlns:p14="http://schemas.microsoft.com/office/powerpoint/2010/main" val="83916020"/>
+      </p:ext>
+    </p:extLst>
+  </p:cSld>
+  <p:clrMapOvr>
+    <a:masterClrMapping/>
+  </p:clrMapOvr>
+</p:sld>
+</file>
+
 <file path=ppt/slides/slide9.xml><?xml version="1.0" encoding="utf-8"?>
 <p:sld xmlns:a="http://schemas.openxmlformats.org/drawingml/2006/main" xmlns:r="http://schemas.openxmlformats.org/officeDocument/2006/relationships" xmlns:p="http://schemas.openxmlformats.org/presentationml/2006/main">
   <p:cSld>
@@ -6674,7 +6642,7 @@
           <a:p>
             <a:r>
               <a:rPr lang="fr-FR" dirty="0"/>
-              <a:t>Alimentation</a:t>
+              <a:t>I/O Numérique</a:t>
             </a:r>
           </a:p>
         </p:txBody>
@@ -6696,95 +6664,51 @@
           <a:p>
             <a:r>
               <a:rPr lang="fr-FR" dirty="0"/>
-              <a:t>L'</a:t>
+              <a:t>Reçoit des 0 et des 1</a:t>
+            </a:r>
+          </a:p>
+          <a:p>
+            <a:pPr lvl="1"/>
+            <a:r>
+              <a:rPr lang="fr-FR" dirty="0"/>
+              <a:t>0 correspond à 0V</a:t>
+            </a:r>
+          </a:p>
+          <a:p>
+            <a:pPr lvl="1"/>
+            <a:r>
+              <a:rPr lang="fr-FR" dirty="0"/>
+              <a:t>1 correspond à 5V</a:t>
+            </a:r>
+          </a:p>
+          <a:p>
+            <a:r>
+              <a:rPr lang="fr-FR" dirty="0"/>
+              <a:t>Les données peuvent être envoyées avec une certaine fréquence (</a:t>
             </a:r>
             <a:r>
               <a:rPr lang="fr-FR" dirty="0" err="1"/>
-              <a:t>Arduino</a:t>
-            </a:r>
-            <a:r>
-              <a:rPr lang="fr-FR" dirty="0"/>
-              <a:t> peut être alimenté de 5V à 12V</a:t>
+              <a:t>baudrate</a:t>
+            </a:r>
+            <a:r>
+              <a:rPr lang="fr-FR" dirty="0"/>
+              <a:t>) pour pouvoir fabriquer des chiffres</a:t>
+            </a:r>
+          </a:p>
+          <a:p>
+            <a:r>
+              <a:rPr lang="fr-FR" dirty="0"/>
+              <a:t>Principe de la communication de série</a:t>
+            </a:r>
+          </a:p>
+          <a:p>
+            <a:r>
+              <a:rPr lang="fr-FR" dirty="0"/>
+              <a:t>Il existe des bus de communication pour faciliter ce traitement</a:t>
             </a:r>
           </a:p>
           <a:p>
             <a:pPr lvl="1"/>
-            <a:r>
-              <a:rPr lang="fr-FR" dirty="0" err="1"/>
-              <a:t>Pmin</a:t>
-            </a:r>
-            <a:r>
-              <a:rPr lang="fr-FR" dirty="0"/>
-              <a:t> = 0.1W sans </a:t>
-            </a:r>
-            <a:r>
-              <a:rPr lang="fr-FR" dirty="0" err="1"/>
-              <a:t>device</a:t>
-            </a:r>
-            <a:r>
-              <a:rPr lang="fr-FR" dirty="0"/>
-              <a:t>, </a:t>
-            </a:r>
-            <a:r>
-              <a:rPr lang="fr-FR" dirty="0" err="1"/>
-              <a:t>Pmax</a:t>
-            </a:r>
-            <a:r>
-              <a:rPr lang="fr-FR" dirty="0"/>
-              <a:t> = 2.5W</a:t>
-            </a:r>
-          </a:p>
-          <a:p>
-            <a:r>
-              <a:rPr lang="fr-FR" dirty="0"/>
-              <a:t>Alimenté par USB (5.1V) ou par connecteur</a:t>
-            </a:r>
-          </a:p>
-          <a:p>
-            <a:pPr lvl="1"/>
-            <a:r>
-              <a:rPr lang="fr-FR" dirty="0"/>
-              <a:t>Le connecteur l'emporte sur l'USB</a:t>
-            </a:r>
-          </a:p>
-          <a:p>
-            <a:pPr lvl="1"/>
-            <a:r>
-              <a:rPr lang="fr-FR" dirty="0"/>
-              <a:t>Pas de fusible !</a:t>
-            </a:r>
-          </a:p>
-          <a:p>
-            <a:pPr lvl="1"/>
-            <a:r>
-              <a:rPr lang="fr-FR" dirty="0"/>
-              <a:t>Chute de tension maximale : 1V</a:t>
-            </a:r>
-          </a:p>
-          <a:p>
-            <a:pPr lvl="1"/>
-            <a:r>
-              <a:rPr lang="fr-FR" dirty="0"/>
-              <a:t>Prévoir une tension de 6V</a:t>
-            </a:r>
-          </a:p>
-          <a:p>
-            <a:pPr lvl="1"/>
-            <a:r>
-              <a:rPr lang="fr-FR" dirty="0"/>
-              <a:t>Puissance maximale par broche 40mA</a:t>
-            </a:r>
-          </a:p>
-          <a:p>
-            <a:endParaRPr lang="fr-FR" dirty="0"/>
-          </a:p>
-          <a:p>
-            <a:endParaRPr lang="fr-FR" dirty="0"/>
-          </a:p>
-          <a:p>
-            <a:endParaRPr lang="fr-FR" dirty="0"/>
-          </a:p>
-          <a:p>
             <a:endParaRPr lang="fr-FR" dirty="0"/>
           </a:p>
         </p:txBody>
@@ -6792,7 +6716,7 @@
     </p:spTree>
     <p:extLst>
       <p:ext uri="{BB962C8B-B14F-4D97-AF65-F5344CB8AC3E}">
-        <p14:creationId xmlns:p14="http://schemas.microsoft.com/office/powerpoint/2010/main" val="83916020"/>
+        <p14:creationId xmlns:p14="http://schemas.microsoft.com/office/powerpoint/2010/main" val="853419029"/>
       </p:ext>
     </p:extLst>
   </p:cSld>
